--- a/1000moviesdataset/1000 Movies Dataset EDA.pptx
+++ b/1000moviesdataset/1000 Movies Dataset EDA.pptx
@@ -33,6 +33,10 @@
     <p:sldId id="278" r:id="rId29"/>
     <p:sldId id="279" r:id="rId30"/>
     <p:sldId id="280" r:id="rId31"/>
+    <p:sldId id="281" r:id="rId32"/>
+    <p:sldId id="282" r:id="rId33"/>
+    <p:sldId id="283" r:id="rId34"/>
+    <p:sldId id="284" r:id="rId35"/>
   </p:sldIdLst>
   <p:sldSz cy="5143500" cx="9144000"/>
   <p:notesSz cx="6858000" cy="9144000"/>
@@ -814,7 +818,7 @@
   <p:cSld>
     <p:spTree>
       <p:nvGrpSpPr>
-        <p:cNvPr id="120" name="Shape 120"/>
+        <p:cNvPr id="121" name="Shape 121"/>
         <p:cNvGrpSpPr/>
         <p:nvPr/>
       </p:nvGrpSpPr>
@@ -828,7 +832,7 @@
       </p:grpSpPr>
       <p:sp>
         <p:nvSpPr>
-          <p:cNvPr id="121" name="Google Shape;121;g3403a115bc_0_61:notes"/>
+          <p:cNvPr id="122" name="Google Shape;122;g60f06f4bfa_0_32:notes"/>
           <p:cNvSpPr/>
           <p:nvPr>
             <p:ph idx="2" type="sldImg"/>
@@ -863,7 +867,7 @@
       </p:sp>
       <p:sp>
         <p:nvSpPr>
-          <p:cNvPr id="122" name="Google Shape;122;g3403a115bc_0_61:notes"/>
+          <p:cNvPr id="123" name="Google Shape;123;g60f06f4bfa_0_32:notes"/>
           <p:cNvSpPr txBox="1"/>
           <p:nvPr>
             <p:ph idx="1" type="body"/>
@@ -913,7 +917,7 @@
   <p:cSld>
     <p:spTree>
       <p:nvGrpSpPr>
-        <p:cNvPr id="126" name="Shape 126"/>
+        <p:cNvPr id="129" name="Shape 129"/>
         <p:cNvGrpSpPr/>
         <p:nvPr/>
       </p:nvGrpSpPr>
@@ -927,7 +931,7 @@
       </p:grpSpPr>
       <p:sp>
         <p:nvSpPr>
-          <p:cNvPr id="127" name="Google Shape;127;g3403a115bc_0_72:notes"/>
+          <p:cNvPr id="130" name="Google Shape;130;g612e3d8853_0_10:notes"/>
           <p:cNvSpPr/>
           <p:nvPr>
             <p:ph idx="2" type="sldImg"/>
@@ -962,7 +966,7 @@
       </p:sp>
       <p:sp>
         <p:nvSpPr>
-          <p:cNvPr id="128" name="Google Shape;128;g3403a115bc_0_72:notes"/>
+          <p:cNvPr id="131" name="Google Shape;131;g612e3d8853_0_10:notes"/>
           <p:cNvSpPr txBox="1"/>
           <p:nvPr>
             <p:ph idx="1" type="body"/>
@@ -1026,7 +1030,7 @@
       </p:grpSpPr>
       <p:sp>
         <p:nvSpPr>
-          <p:cNvPr id="135" name="Google Shape;135;g3403a115bc_0_81:notes"/>
+          <p:cNvPr id="135" name="Google Shape;135;g3403a115bc_0_61:notes"/>
           <p:cNvSpPr/>
           <p:nvPr>
             <p:ph idx="2" type="sldImg"/>
@@ -1061,7 +1065,7 @@
       </p:sp>
       <p:sp>
         <p:nvSpPr>
-          <p:cNvPr id="136" name="Google Shape;136;g3403a115bc_0_81:notes"/>
+          <p:cNvPr id="136" name="Google Shape;136;g3403a115bc_0_61:notes"/>
           <p:cNvSpPr txBox="1"/>
           <p:nvPr>
             <p:ph idx="1" type="body"/>
@@ -1111,7 +1115,7 @@
   <p:cSld>
     <p:spTree>
       <p:nvGrpSpPr>
-        <p:cNvPr id="142" name="Shape 142"/>
+        <p:cNvPr id="140" name="Shape 140"/>
         <p:cNvGrpSpPr/>
         <p:nvPr/>
       </p:nvGrpSpPr>
@@ -1125,7 +1129,7 @@
       </p:grpSpPr>
       <p:sp>
         <p:nvSpPr>
-          <p:cNvPr id="143" name="Google Shape;143;g3403a115bc_0_90:notes"/>
+          <p:cNvPr id="141" name="Google Shape;141;g3403a115bc_0_72:notes"/>
           <p:cNvSpPr/>
           <p:nvPr>
             <p:ph idx="2" type="sldImg"/>
@@ -1160,7 +1164,7 @@
       </p:sp>
       <p:sp>
         <p:nvSpPr>
-          <p:cNvPr id="144" name="Google Shape;144;g3403a115bc_0_90:notes"/>
+          <p:cNvPr id="142" name="Google Shape;142;g3403a115bc_0_72:notes"/>
           <p:cNvSpPr txBox="1"/>
           <p:nvPr>
             <p:ph idx="1" type="body"/>
@@ -1210,7 +1214,7 @@
   <p:cSld>
     <p:spTree>
       <p:nvGrpSpPr>
-        <p:cNvPr id="150" name="Shape 150"/>
+        <p:cNvPr id="148" name="Shape 148"/>
         <p:cNvGrpSpPr/>
         <p:nvPr/>
       </p:nvGrpSpPr>
@@ -1224,7 +1228,7 @@
       </p:grpSpPr>
       <p:sp>
         <p:nvSpPr>
-          <p:cNvPr id="151" name="Google Shape;151;g3403a115bc_0_99:notes"/>
+          <p:cNvPr id="149" name="Google Shape;149;g3403a115bc_0_81:notes"/>
           <p:cNvSpPr/>
           <p:nvPr>
             <p:ph idx="2" type="sldImg"/>
@@ -1259,7 +1263,7 @@
       </p:sp>
       <p:sp>
         <p:nvSpPr>
-          <p:cNvPr id="152" name="Google Shape;152;g3403a115bc_0_99:notes"/>
+          <p:cNvPr id="150" name="Google Shape;150;g3403a115bc_0_81:notes"/>
           <p:cNvSpPr txBox="1"/>
           <p:nvPr>
             <p:ph idx="1" type="body"/>
@@ -1309,7 +1313,7 @@
   <p:cSld>
     <p:spTree>
       <p:nvGrpSpPr>
-        <p:cNvPr id="158" name="Shape 158"/>
+        <p:cNvPr id="156" name="Shape 156"/>
         <p:cNvGrpSpPr/>
         <p:nvPr/>
       </p:nvGrpSpPr>
@@ -1323,7 +1327,7 @@
       </p:grpSpPr>
       <p:sp>
         <p:nvSpPr>
-          <p:cNvPr id="159" name="Google Shape;159;g3403a115bc_0_108:notes"/>
+          <p:cNvPr id="157" name="Google Shape;157;g3403a115bc_0_90:notes"/>
           <p:cNvSpPr/>
           <p:nvPr>
             <p:ph idx="2" type="sldImg"/>
@@ -1358,7 +1362,7 @@
       </p:sp>
       <p:sp>
         <p:nvSpPr>
-          <p:cNvPr id="160" name="Google Shape;160;g3403a115bc_0_108:notes"/>
+          <p:cNvPr id="158" name="Google Shape;158;g3403a115bc_0_90:notes"/>
           <p:cNvSpPr txBox="1"/>
           <p:nvPr>
             <p:ph idx="1" type="body"/>
@@ -1408,7 +1412,7 @@
   <p:cSld>
     <p:spTree>
       <p:nvGrpSpPr>
-        <p:cNvPr id="166" name="Shape 166"/>
+        <p:cNvPr id="164" name="Shape 164"/>
         <p:cNvGrpSpPr/>
         <p:nvPr/>
       </p:nvGrpSpPr>
@@ -1422,7 +1426,7 @@
       </p:grpSpPr>
       <p:sp>
         <p:nvSpPr>
-          <p:cNvPr id="167" name="Google Shape;167;g3403a115bc_0_117:notes"/>
+          <p:cNvPr id="165" name="Google Shape;165;g3403a115bc_0_99:notes"/>
           <p:cNvSpPr/>
           <p:nvPr>
             <p:ph idx="2" type="sldImg"/>
@@ -1457,7 +1461,7 @@
       </p:sp>
       <p:sp>
         <p:nvSpPr>
-          <p:cNvPr id="168" name="Google Shape;168;g3403a115bc_0_117:notes"/>
+          <p:cNvPr id="166" name="Google Shape;166;g3403a115bc_0_99:notes"/>
           <p:cNvSpPr txBox="1"/>
           <p:nvPr>
             <p:ph idx="1" type="body"/>
@@ -1507,7 +1511,7 @@
   <p:cSld>
     <p:spTree>
       <p:nvGrpSpPr>
-        <p:cNvPr id="173" name="Shape 173"/>
+        <p:cNvPr id="172" name="Shape 172"/>
         <p:cNvGrpSpPr/>
         <p:nvPr/>
       </p:nvGrpSpPr>
@@ -1521,7 +1525,7 @@
       </p:grpSpPr>
       <p:sp>
         <p:nvSpPr>
-          <p:cNvPr id="174" name="Google Shape;174;g3403a115bc_0_125:notes"/>
+          <p:cNvPr id="173" name="Google Shape;173;g3403a115bc_0_108:notes"/>
           <p:cNvSpPr/>
           <p:nvPr>
             <p:ph idx="2" type="sldImg"/>
@@ -1556,7 +1560,7 @@
       </p:sp>
       <p:sp>
         <p:nvSpPr>
-          <p:cNvPr id="175" name="Google Shape;175;g3403a115bc_0_125:notes"/>
+          <p:cNvPr id="174" name="Google Shape;174;g3403a115bc_0_108:notes"/>
           <p:cNvSpPr txBox="1"/>
           <p:nvPr>
             <p:ph idx="1" type="body"/>
@@ -1620,7 +1624,7 @@
       </p:grpSpPr>
       <p:sp>
         <p:nvSpPr>
-          <p:cNvPr id="181" name="Google Shape;181;g3403a115bc_0_132:notes"/>
+          <p:cNvPr id="181" name="Google Shape;181;g612e3d8853_0_14:notes"/>
           <p:cNvSpPr/>
           <p:nvPr>
             <p:ph idx="2" type="sldImg"/>
@@ -1655,7 +1659,7 @@
       </p:sp>
       <p:sp>
         <p:nvSpPr>
-          <p:cNvPr id="182" name="Google Shape;182;g3403a115bc_0_132:notes"/>
+          <p:cNvPr id="182" name="Google Shape;182;g612e3d8853_0_14:notes"/>
           <p:cNvSpPr txBox="1"/>
           <p:nvPr>
             <p:ph idx="1" type="body"/>
@@ -1705,7 +1709,7 @@
   <p:cSld>
     <p:spTree>
       <p:nvGrpSpPr>
-        <p:cNvPr id="187" name="Shape 187"/>
+        <p:cNvPr id="185" name="Shape 185"/>
         <p:cNvGrpSpPr/>
         <p:nvPr/>
       </p:nvGrpSpPr>
@@ -1719,7 +1723,7 @@
       </p:grpSpPr>
       <p:sp>
         <p:nvSpPr>
-          <p:cNvPr id="188" name="Google Shape;188;g60f06f4bfa_0_2:notes"/>
+          <p:cNvPr id="186" name="Google Shape;186;g3403a115bc_0_117:notes"/>
           <p:cNvSpPr/>
           <p:nvPr>
             <p:ph idx="2" type="sldImg"/>
@@ -1754,7 +1758,7 @@
       </p:sp>
       <p:sp>
         <p:nvSpPr>
-          <p:cNvPr id="189" name="Google Shape;189;g60f06f4bfa_0_2:notes"/>
+          <p:cNvPr id="187" name="Google Shape;187;g3403a115bc_0_117:notes"/>
           <p:cNvSpPr txBox="1"/>
           <p:nvPr>
             <p:ph idx="1" type="body"/>
@@ -1804,7 +1808,7 @@
   <p:cSld>
     <p:spTree>
       <p:nvGrpSpPr>
-        <p:cNvPr id="56" name="Shape 56"/>
+        <p:cNvPr id="57" name="Shape 57"/>
         <p:cNvGrpSpPr/>
         <p:nvPr/>
       </p:nvGrpSpPr>
@@ -1818,7 +1822,7 @@
       </p:grpSpPr>
       <p:sp>
         <p:nvSpPr>
-          <p:cNvPr id="57" name="Google Shape;57;g3403a115bc_0_161:notes"/>
+          <p:cNvPr id="58" name="Google Shape;58;g3403a115bc_0_161:notes"/>
           <p:cNvSpPr/>
           <p:nvPr>
             <p:ph idx="2" type="sldImg"/>
@@ -1853,7 +1857,7 @@
       </p:sp>
       <p:sp>
         <p:nvSpPr>
-          <p:cNvPr id="58" name="Google Shape;58;g3403a115bc_0_161:notes"/>
+          <p:cNvPr id="59" name="Google Shape;59;g3403a115bc_0_161:notes"/>
           <p:cNvSpPr txBox="1"/>
           <p:nvPr>
             <p:ph idx="1" type="body"/>
@@ -1903,7 +1907,7 @@
   <p:cSld>
     <p:spTree>
       <p:nvGrpSpPr>
-        <p:cNvPr id="195" name="Shape 195"/>
+        <p:cNvPr id="192" name="Shape 192"/>
         <p:cNvGrpSpPr/>
         <p:nvPr/>
       </p:nvGrpSpPr>
@@ -1917,7 +1921,7 @@
       </p:grpSpPr>
       <p:sp>
         <p:nvSpPr>
-          <p:cNvPr id="196" name="Google Shape;196;g60f06f4bfa_0_21:notes"/>
+          <p:cNvPr id="193" name="Google Shape;193;g3403a115bc_0_125:notes"/>
           <p:cNvSpPr/>
           <p:nvPr>
             <p:ph idx="2" type="sldImg"/>
@@ -1952,7 +1956,7 @@
       </p:sp>
       <p:sp>
         <p:nvSpPr>
-          <p:cNvPr id="197" name="Google Shape;197;g60f06f4bfa_0_21:notes"/>
+          <p:cNvPr id="194" name="Google Shape;194;g3403a115bc_0_125:notes"/>
           <p:cNvSpPr txBox="1"/>
           <p:nvPr>
             <p:ph idx="1" type="body"/>
@@ -2002,7 +2006,7 @@
   <p:cSld>
     <p:spTree>
       <p:nvGrpSpPr>
-        <p:cNvPr id="203" name="Shape 203"/>
+        <p:cNvPr id="199" name="Shape 199"/>
         <p:cNvGrpSpPr/>
         <p:nvPr/>
       </p:nvGrpSpPr>
@@ -2016,7 +2020,7 @@
       </p:grpSpPr>
       <p:sp>
         <p:nvSpPr>
-          <p:cNvPr id="204" name="Google Shape;204;g60f06f4bfa_0_62:notes"/>
+          <p:cNvPr id="200" name="Google Shape;200;g3403a115bc_0_132:notes"/>
           <p:cNvSpPr/>
           <p:nvPr>
             <p:ph idx="2" type="sldImg"/>
@@ -2051,7 +2055,7 @@
       </p:sp>
       <p:sp>
         <p:nvSpPr>
-          <p:cNvPr id="205" name="Google Shape;205;g60f06f4bfa_0_62:notes"/>
+          <p:cNvPr id="201" name="Google Shape;201;g3403a115bc_0_132:notes"/>
           <p:cNvSpPr txBox="1"/>
           <p:nvPr>
             <p:ph idx="1" type="body"/>
@@ -2101,7 +2105,7 @@
   <p:cSld>
     <p:spTree>
       <p:nvGrpSpPr>
-        <p:cNvPr id="212" name="Shape 212"/>
+        <p:cNvPr id="206" name="Shape 206"/>
         <p:cNvGrpSpPr/>
         <p:nvPr/>
       </p:nvGrpSpPr>
@@ -2115,7 +2119,7 @@
       </p:grpSpPr>
       <p:sp>
         <p:nvSpPr>
-          <p:cNvPr id="213" name="Google Shape;213;g3403a115bc_0_139:notes"/>
+          <p:cNvPr id="207" name="Google Shape;207;g60f06f4bfa_0_2:notes"/>
           <p:cNvSpPr/>
           <p:nvPr>
             <p:ph idx="2" type="sldImg"/>
@@ -2150,7 +2154,7 @@
       </p:sp>
       <p:sp>
         <p:nvSpPr>
-          <p:cNvPr id="214" name="Google Shape;214;g3403a115bc_0_139:notes"/>
+          <p:cNvPr id="208" name="Google Shape;208;g60f06f4bfa_0_2:notes"/>
           <p:cNvSpPr txBox="1"/>
           <p:nvPr>
             <p:ph idx="1" type="body"/>
@@ -2200,7 +2204,7 @@
   <p:cSld>
     <p:spTree>
       <p:nvGrpSpPr>
-        <p:cNvPr id="219" name="Shape 219"/>
+        <p:cNvPr id="214" name="Shape 214"/>
         <p:cNvGrpSpPr/>
         <p:nvPr/>
       </p:nvGrpSpPr>
@@ -2214,7 +2218,7 @@
       </p:grpSpPr>
       <p:sp>
         <p:nvSpPr>
-          <p:cNvPr id="220" name="Google Shape;220;g60f06f4bfa_0_79:notes"/>
+          <p:cNvPr id="215" name="Google Shape;215;g60f06f4bfa_0_21:notes"/>
           <p:cNvSpPr/>
           <p:nvPr>
             <p:ph idx="2" type="sldImg"/>
@@ -2249,7 +2253,7 @@
       </p:sp>
       <p:sp>
         <p:nvSpPr>
-          <p:cNvPr id="221" name="Google Shape;221;g60f06f4bfa_0_79:notes"/>
+          <p:cNvPr id="216" name="Google Shape;216;g60f06f4bfa_0_21:notes"/>
           <p:cNvSpPr txBox="1"/>
           <p:nvPr>
             <p:ph idx="1" type="body"/>
@@ -2299,7 +2303,7 @@
   <p:cSld>
     <p:spTree>
       <p:nvGrpSpPr>
-        <p:cNvPr id="226" name="Shape 226"/>
+        <p:cNvPr id="222" name="Shape 222"/>
         <p:cNvGrpSpPr/>
         <p:nvPr/>
       </p:nvGrpSpPr>
@@ -2313,7 +2317,7 @@
       </p:grpSpPr>
       <p:sp>
         <p:nvSpPr>
-          <p:cNvPr id="227" name="Google Shape;227;g60f06f4bfa_0_87:notes"/>
+          <p:cNvPr id="223" name="Google Shape;223;g60f06f4bfa_0_62:notes"/>
           <p:cNvSpPr/>
           <p:nvPr>
             <p:ph idx="2" type="sldImg"/>
@@ -2348,7 +2352,7 @@
       </p:sp>
       <p:sp>
         <p:nvSpPr>
-          <p:cNvPr id="228" name="Google Shape;228;g60f06f4bfa_0_87:notes"/>
+          <p:cNvPr id="224" name="Google Shape;224;g60f06f4bfa_0_62:notes"/>
           <p:cNvSpPr txBox="1"/>
           <p:nvPr>
             <p:ph idx="1" type="body"/>
@@ -2398,7 +2402,7 @@
   <p:cSld>
     <p:spTree>
       <p:nvGrpSpPr>
-        <p:cNvPr id="233" name="Shape 233"/>
+        <p:cNvPr id="231" name="Shape 231"/>
         <p:cNvGrpSpPr/>
         <p:nvPr/>
       </p:nvGrpSpPr>
@@ -2412,7 +2416,7 @@
       </p:grpSpPr>
       <p:sp>
         <p:nvSpPr>
-          <p:cNvPr id="234" name="Google Shape;234;g3403a115bc_0_151:notes"/>
+          <p:cNvPr id="232" name="Google Shape;232;g3403a115bc_0_139:notes"/>
           <p:cNvSpPr/>
           <p:nvPr>
             <p:ph idx="2" type="sldImg"/>
@@ -2447,7 +2451,403 @@
       </p:sp>
       <p:sp>
         <p:nvSpPr>
-          <p:cNvPr id="235" name="Google Shape;235;g3403a115bc_0_151:notes"/>
+          <p:cNvPr id="233" name="Google Shape;233;g3403a115bc_0_139:notes"/>
+          <p:cNvSpPr txBox="1"/>
+          <p:nvPr>
+            <p:ph idx="1" type="body"/>
+          </p:nvPr>
+        </p:nvSpPr>
+        <p:spPr>
+          <a:xfrm>
+            <a:off x="685800" y="4343400"/>
+            <a:ext cx="5486400" cy="4114800"/>
+          </a:xfrm>
+          <a:prstGeom prst="rect">
+            <a:avLst/>
+          </a:prstGeom>
+        </p:spPr>
+        <p:txBody>
+          <a:bodyPr anchorCtr="0" anchor="t" bIns="91425" lIns="91425" spcFirstLastPara="1" rIns="91425" wrap="square" tIns="91425">
+            <a:noAutofit/>
+          </a:bodyPr>
+          <a:lstStyle/>
+          <a:p>
+            <a:pPr indent="0" lvl="0" marL="0" rtl="0" algn="l">
+              <a:spcBef>
+                <a:spcPts val="0"/>
+              </a:spcBef>
+              <a:spcAft>
+                <a:spcPts val="0"/>
+              </a:spcAft>
+              <a:buNone/>
+            </a:pPr>
+            <a:r>
+              <a:t/>
+            </a:r>
+            <a:endParaRPr/>
+          </a:p>
+        </p:txBody>
+      </p:sp>
+    </p:spTree>
+  </p:cSld>
+  <p:clrMapOvr>
+    <a:masterClrMapping/>
+  </p:clrMapOvr>
+</p:notes>
+</file>
+
+<file path=ppt/notesSlides/notesSlide26.xml><?xml version="1.0" encoding="utf-8"?>
+<p:notes xmlns:a="http://schemas.openxmlformats.org/drawingml/2006/main" xmlns:r="http://schemas.openxmlformats.org/officeDocument/2006/relationships" xmlns:mc="http://schemas.openxmlformats.org/markup-compatibility/2006" xmlns:mv="urn:schemas-microsoft-com:mac:vml" xmlns:p="http://schemas.openxmlformats.org/presentationml/2006/main" xmlns:c="http://schemas.openxmlformats.org/drawingml/2006/chart" xmlns:dgm="http://schemas.openxmlformats.org/drawingml/2006/diagram" xmlns:o="urn:schemas-microsoft-com:office:office" xmlns:v="urn:schemas-microsoft-com:vml" xmlns:pvml="urn:schemas-microsoft-com:office:powerpoint" xmlns:com="http://schemas.openxmlformats.org/drawingml/2006/compatibility" xmlns:p14="http://schemas.microsoft.com/office/powerpoint/2010/main" xmlns:p15="http://schemas.microsoft.com/office/powerpoint/2012/main" showMasterPhAnim="0" showMasterSp="0">
+  <p:cSld>
+    <p:spTree>
+      <p:nvGrpSpPr>
+        <p:cNvPr id="238" name="Shape 238"/>
+        <p:cNvGrpSpPr/>
+        <p:nvPr/>
+      </p:nvGrpSpPr>
+      <p:grpSpPr>
+        <a:xfrm>
+          <a:off x="0" y="0"/>
+          <a:ext cx="0" cy="0"/>
+          <a:chOff x="0" y="0"/>
+          <a:chExt cx="0" cy="0"/>
+        </a:xfrm>
+      </p:grpSpPr>
+      <p:sp>
+        <p:nvSpPr>
+          <p:cNvPr id="239" name="Google Shape;239;g612e3d8853_0_23:notes"/>
+          <p:cNvSpPr/>
+          <p:nvPr>
+            <p:ph idx="2" type="sldImg"/>
+          </p:nvPr>
+        </p:nvSpPr>
+        <p:spPr>
+          <a:xfrm>
+            <a:off x="381300" y="685800"/>
+            <a:ext cx="6096000" cy="3429000"/>
+          </a:xfrm>
+          <a:custGeom>
+            <a:rect b="b" l="l" r="r" t="t"/>
+            <a:pathLst>
+              <a:path extrusionOk="0" h="120000" w="120000">
+                <a:moveTo>
+                  <a:pt x="0" y="0"/>
+                </a:moveTo>
+                <a:lnTo>
+                  <a:pt x="120000" y="0"/>
+                </a:lnTo>
+                <a:lnTo>
+                  <a:pt x="120000" y="120000"/>
+                </a:lnTo>
+                <a:lnTo>
+                  <a:pt x="0" y="120000"/>
+                </a:lnTo>
+                <a:close/>
+              </a:path>
+            </a:pathLst>
+          </a:custGeom>
+        </p:spPr>
+      </p:sp>
+      <p:sp>
+        <p:nvSpPr>
+          <p:cNvPr id="240" name="Google Shape;240;g612e3d8853_0_23:notes"/>
+          <p:cNvSpPr txBox="1"/>
+          <p:nvPr>
+            <p:ph idx="1" type="body"/>
+          </p:nvPr>
+        </p:nvSpPr>
+        <p:spPr>
+          <a:xfrm>
+            <a:off x="685800" y="4343400"/>
+            <a:ext cx="5486400" cy="4114800"/>
+          </a:xfrm>
+          <a:prstGeom prst="rect">
+            <a:avLst/>
+          </a:prstGeom>
+        </p:spPr>
+        <p:txBody>
+          <a:bodyPr anchorCtr="0" anchor="t" bIns="91425" lIns="91425" spcFirstLastPara="1" rIns="91425" wrap="square" tIns="91425">
+            <a:noAutofit/>
+          </a:bodyPr>
+          <a:lstStyle/>
+          <a:p>
+            <a:pPr indent="0" lvl="0" marL="0" rtl="0" algn="l">
+              <a:spcBef>
+                <a:spcPts val="0"/>
+              </a:spcBef>
+              <a:spcAft>
+                <a:spcPts val="0"/>
+              </a:spcAft>
+              <a:buNone/>
+            </a:pPr>
+            <a:r>
+              <a:t/>
+            </a:r>
+            <a:endParaRPr/>
+          </a:p>
+        </p:txBody>
+      </p:sp>
+    </p:spTree>
+  </p:cSld>
+  <p:clrMapOvr>
+    <a:masterClrMapping/>
+  </p:clrMapOvr>
+</p:notes>
+</file>
+
+<file path=ppt/notesSlides/notesSlide27.xml><?xml version="1.0" encoding="utf-8"?>
+<p:notes xmlns:a="http://schemas.openxmlformats.org/drawingml/2006/main" xmlns:r="http://schemas.openxmlformats.org/officeDocument/2006/relationships" xmlns:mc="http://schemas.openxmlformats.org/markup-compatibility/2006" xmlns:mv="urn:schemas-microsoft-com:mac:vml" xmlns:p="http://schemas.openxmlformats.org/presentationml/2006/main" xmlns:c="http://schemas.openxmlformats.org/drawingml/2006/chart" xmlns:dgm="http://schemas.openxmlformats.org/drawingml/2006/diagram" xmlns:o="urn:schemas-microsoft-com:office:office" xmlns:v="urn:schemas-microsoft-com:vml" xmlns:pvml="urn:schemas-microsoft-com:office:powerpoint" xmlns:com="http://schemas.openxmlformats.org/drawingml/2006/compatibility" xmlns:p14="http://schemas.microsoft.com/office/powerpoint/2010/main" xmlns:p15="http://schemas.microsoft.com/office/powerpoint/2012/main" showMasterPhAnim="0" showMasterSp="0">
+  <p:cSld>
+    <p:spTree>
+      <p:nvGrpSpPr>
+        <p:cNvPr id="243" name="Shape 243"/>
+        <p:cNvGrpSpPr/>
+        <p:nvPr/>
+      </p:nvGrpSpPr>
+      <p:grpSpPr>
+        <a:xfrm>
+          <a:off x="0" y="0"/>
+          <a:ext cx="0" cy="0"/>
+          <a:chOff x="0" y="0"/>
+          <a:chExt cx="0" cy="0"/>
+        </a:xfrm>
+      </p:grpSpPr>
+      <p:sp>
+        <p:nvSpPr>
+          <p:cNvPr id="244" name="Google Shape;244;g60f06f4bfa_0_79:notes"/>
+          <p:cNvSpPr/>
+          <p:nvPr>
+            <p:ph idx="2" type="sldImg"/>
+          </p:nvPr>
+        </p:nvSpPr>
+        <p:spPr>
+          <a:xfrm>
+            <a:off x="381300" y="685800"/>
+            <a:ext cx="6096000" cy="3429000"/>
+          </a:xfrm>
+          <a:custGeom>
+            <a:rect b="b" l="l" r="r" t="t"/>
+            <a:pathLst>
+              <a:path extrusionOk="0" h="120000" w="120000">
+                <a:moveTo>
+                  <a:pt x="0" y="0"/>
+                </a:moveTo>
+                <a:lnTo>
+                  <a:pt x="120000" y="0"/>
+                </a:lnTo>
+                <a:lnTo>
+                  <a:pt x="120000" y="120000"/>
+                </a:lnTo>
+                <a:lnTo>
+                  <a:pt x="0" y="120000"/>
+                </a:lnTo>
+                <a:close/>
+              </a:path>
+            </a:pathLst>
+          </a:custGeom>
+        </p:spPr>
+      </p:sp>
+      <p:sp>
+        <p:nvSpPr>
+          <p:cNvPr id="245" name="Google Shape;245;g60f06f4bfa_0_79:notes"/>
+          <p:cNvSpPr txBox="1"/>
+          <p:nvPr>
+            <p:ph idx="1" type="body"/>
+          </p:nvPr>
+        </p:nvSpPr>
+        <p:spPr>
+          <a:xfrm>
+            <a:off x="685800" y="4343400"/>
+            <a:ext cx="5486400" cy="4114800"/>
+          </a:xfrm>
+          <a:prstGeom prst="rect">
+            <a:avLst/>
+          </a:prstGeom>
+        </p:spPr>
+        <p:txBody>
+          <a:bodyPr anchorCtr="0" anchor="t" bIns="91425" lIns="91425" spcFirstLastPara="1" rIns="91425" wrap="square" tIns="91425">
+            <a:noAutofit/>
+          </a:bodyPr>
+          <a:lstStyle/>
+          <a:p>
+            <a:pPr indent="0" lvl="0" marL="0" rtl="0" algn="l">
+              <a:spcBef>
+                <a:spcPts val="0"/>
+              </a:spcBef>
+              <a:spcAft>
+                <a:spcPts val="0"/>
+              </a:spcAft>
+              <a:buNone/>
+            </a:pPr>
+            <a:r>
+              <a:t/>
+            </a:r>
+            <a:endParaRPr/>
+          </a:p>
+        </p:txBody>
+      </p:sp>
+    </p:spTree>
+  </p:cSld>
+  <p:clrMapOvr>
+    <a:masterClrMapping/>
+  </p:clrMapOvr>
+</p:notes>
+</file>
+
+<file path=ppt/notesSlides/notesSlide28.xml><?xml version="1.0" encoding="utf-8"?>
+<p:notes xmlns:a="http://schemas.openxmlformats.org/drawingml/2006/main" xmlns:r="http://schemas.openxmlformats.org/officeDocument/2006/relationships" xmlns:mc="http://schemas.openxmlformats.org/markup-compatibility/2006" xmlns:mv="urn:schemas-microsoft-com:mac:vml" xmlns:p="http://schemas.openxmlformats.org/presentationml/2006/main" xmlns:c="http://schemas.openxmlformats.org/drawingml/2006/chart" xmlns:dgm="http://schemas.openxmlformats.org/drawingml/2006/diagram" xmlns:o="urn:schemas-microsoft-com:office:office" xmlns:v="urn:schemas-microsoft-com:vml" xmlns:pvml="urn:schemas-microsoft-com:office:powerpoint" xmlns:com="http://schemas.openxmlformats.org/drawingml/2006/compatibility" xmlns:p14="http://schemas.microsoft.com/office/powerpoint/2010/main" xmlns:p15="http://schemas.microsoft.com/office/powerpoint/2012/main" showMasterPhAnim="0" showMasterSp="0">
+  <p:cSld>
+    <p:spTree>
+      <p:nvGrpSpPr>
+        <p:cNvPr id="250" name="Shape 250"/>
+        <p:cNvGrpSpPr/>
+        <p:nvPr/>
+      </p:nvGrpSpPr>
+      <p:grpSpPr>
+        <a:xfrm>
+          <a:off x="0" y="0"/>
+          <a:ext cx="0" cy="0"/>
+          <a:chOff x="0" y="0"/>
+          <a:chExt cx="0" cy="0"/>
+        </a:xfrm>
+      </p:grpSpPr>
+      <p:sp>
+        <p:nvSpPr>
+          <p:cNvPr id="251" name="Google Shape;251;g60f06f4bfa_0_87:notes"/>
+          <p:cNvSpPr/>
+          <p:nvPr>
+            <p:ph idx="2" type="sldImg"/>
+          </p:nvPr>
+        </p:nvSpPr>
+        <p:spPr>
+          <a:xfrm>
+            <a:off x="381300" y="685800"/>
+            <a:ext cx="6096000" cy="3429000"/>
+          </a:xfrm>
+          <a:custGeom>
+            <a:rect b="b" l="l" r="r" t="t"/>
+            <a:pathLst>
+              <a:path extrusionOk="0" h="120000" w="120000">
+                <a:moveTo>
+                  <a:pt x="0" y="0"/>
+                </a:moveTo>
+                <a:lnTo>
+                  <a:pt x="120000" y="0"/>
+                </a:lnTo>
+                <a:lnTo>
+                  <a:pt x="120000" y="120000"/>
+                </a:lnTo>
+                <a:lnTo>
+                  <a:pt x="0" y="120000"/>
+                </a:lnTo>
+                <a:close/>
+              </a:path>
+            </a:pathLst>
+          </a:custGeom>
+        </p:spPr>
+      </p:sp>
+      <p:sp>
+        <p:nvSpPr>
+          <p:cNvPr id="252" name="Google Shape;252;g60f06f4bfa_0_87:notes"/>
+          <p:cNvSpPr txBox="1"/>
+          <p:nvPr>
+            <p:ph idx="1" type="body"/>
+          </p:nvPr>
+        </p:nvSpPr>
+        <p:spPr>
+          <a:xfrm>
+            <a:off x="685800" y="4343400"/>
+            <a:ext cx="5486400" cy="4114800"/>
+          </a:xfrm>
+          <a:prstGeom prst="rect">
+            <a:avLst/>
+          </a:prstGeom>
+        </p:spPr>
+        <p:txBody>
+          <a:bodyPr anchorCtr="0" anchor="t" bIns="91425" lIns="91425" spcFirstLastPara="1" rIns="91425" wrap="square" tIns="91425">
+            <a:noAutofit/>
+          </a:bodyPr>
+          <a:lstStyle/>
+          <a:p>
+            <a:pPr indent="0" lvl="0" marL="0" rtl="0" algn="l">
+              <a:spcBef>
+                <a:spcPts val="0"/>
+              </a:spcBef>
+              <a:spcAft>
+                <a:spcPts val="0"/>
+              </a:spcAft>
+              <a:buNone/>
+            </a:pPr>
+            <a:r>
+              <a:t/>
+            </a:r>
+            <a:endParaRPr/>
+          </a:p>
+        </p:txBody>
+      </p:sp>
+    </p:spTree>
+  </p:cSld>
+  <p:clrMapOvr>
+    <a:masterClrMapping/>
+  </p:clrMapOvr>
+</p:notes>
+</file>
+
+<file path=ppt/notesSlides/notesSlide29.xml><?xml version="1.0" encoding="utf-8"?>
+<p:notes xmlns:a="http://schemas.openxmlformats.org/drawingml/2006/main" xmlns:r="http://schemas.openxmlformats.org/officeDocument/2006/relationships" xmlns:mc="http://schemas.openxmlformats.org/markup-compatibility/2006" xmlns:mv="urn:schemas-microsoft-com:mac:vml" xmlns:p="http://schemas.openxmlformats.org/presentationml/2006/main" xmlns:c="http://schemas.openxmlformats.org/drawingml/2006/chart" xmlns:dgm="http://schemas.openxmlformats.org/drawingml/2006/diagram" xmlns:o="urn:schemas-microsoft-com:office:office" xmlns:v="urn:schemas-microsoft-com:vml" xmlns:pvml="urn:schemas-microsoft-com:office:powerpoint" xmlns:com="http://schemas.openxmlformats.org/drawingml/2006/compatibility" xmlns:p14="http://schemas.microsoft.com/office/powerpoint/2010/main" xmlns:p15="http://schemas.microsoft.com/office/powerpoint/2012/main" showMasterPhAnim="0" showMasterSp="0">
+  <p:cSld>
+    <p:spTree>
+      <p:nvGrpSpPr>
+        <p:cNvPr id="257" name="Shape 257"/>
+        <p:cNvGrpSpPr/>
+        <p:nvPr/>
+      </p:nvGrpSpPr>
+      <p:grpSpPr>
+        <a:xfrm>
+          <a:off x="0" y="0"/>
+          <a:ext cx="0" cy="0"/>
+          <a:chOff x="0" y="0"/>
+          <a:chExt cx="0" cy="0"/>
+        </a:xfrm>
+      </p:grpSpPr>
+      <p:sp>
+        <p:nvSpPr>
+          <p:cNvPr id="258" name="Google Shape;258;g3403a115bc_0_151:notes"/>
+          <p:cNvSpPr/>
+          <p:nvPr>
+            <p:ph idx="2" type="sldImg"/>
+          </p:nvPr>
+        </p:nvSpPr>
+        <p:spPr>
+          <a:xfrm>
+            <a:off x="381300" y="685800"/>
+            <a:ext cx="6096000" cy="3429000"/>
+          </a:xfrm>
+          <a:custGeom>
+            <a:rect b="b" l="l" r="r" t="t"/>
+            <a:pathLst>
+              <a:path extrusionOk="0" h="120000" w="120000">
+                <a:moveTo>
+                  <a:pt x="0" y="0"/>
+                </a:moveTo>
+                <a:lnTo>
+                  <a:pt x="120000" y="0"/>
+                </a:lnTo>
+                <a:lnTo>
+                  <a:pt x="120000" y="120000"/>
+                </a:lnTo>
+                <a:lnTo>
+                  <a:pt x="0" y="120000"/>
+                </a:lnTo>
+                <a:close/>
+              </a:path>
+            </a:pathLst>
+          </a:custGeom>
+        </p:spPr>
+      </p:sp>
+      <p:sp>
+        <p:nvSpPr>
+          <p:cNvPr id="259" name="Google Shape;259;g3403a115bc_0_151:notes"/>
           <p:cNvSpPr txBox="1"/>
           <p:nvPr>
             <p:ph idx="1" type="body"/>
@@ -2497,7 +2897,7 @@
   <p:cSld>
     <p:spTree>
       <p:nvGrpSpPr>
-        <p:cNvPr id="63" name="Shape 63"/>
+        <p:cNvPr id="67" name="Shape 67"/>
         <p:cNvGrpSpPr/>
         <p:nvPr/>
       </p:nvGrpSpPr>
@@ -2511,7 +2911,7 @@
       </p:grpSpPr>
       <p:sp>
         <p:nvSpPr>
-          <p:cNvPr id="64" name="Google Shape;64;g3403a115bc_0_0:notes"/>
+          <p:cNvPr id="68" name="Google Shape;68;g612e3d8853_0_0:notes"/>
           <p:cNvSpPr/>
           <p:nvPr>
             <p:ph idx="2" type="sldImg"/>
@@ -2546,7 +2946,7 @@
       </p:sp>
       <p:sp>
         <p:nvSpPr>
-          <p:cNvPr id="65" name="Google Shape;65;g3403a115bc_0_0:notes"/>
+          <p:cNvPr id="69" name="Google Shape;69;g612e3d8853_0_0:notes"/>
           <p:cNvSpPr txBox="1"/>
           <p:nvPr>
             <p:ph idx="1" type="body"/>
@@ -2610,7 +3010,7 @@
       </p:grpSpPr>
       <p:sp>
         <p:nvSpPr>
-          <p:cNvPr id="73" name="Google Shape;73;g3403a115bc_0_12:notes"/>
+          <p:cNvPr id="73" name="Google Shape;73;g3403a115bc_0_0:notes"/>
           <p:cNvSpPr/>
           <p:nvPr>
             <p:ph idx="2" type="sldImg"/>
@@ -2645,7 +3045,7 @@
       </p:sp>
       <p:sp>
         <p:nvSpPr>
-          <p:cNvPr id="74" name="Google Shape;74;g3403a115bc_0_12:notes"/>
+          <p:cNvPr id="74" name="Google Shape;74;g3403a115bc_0_0:notes"/>
           <p:cNvSpPr txBox="1"/>
           <p:nvPr>
             <p:ph idx="1" type="body"/>
@@ -2695,7 +3095,7 @@
   <p:cSld>
     <p:spTree>
       <p:nvGrpSpPr>
-        <p:cNvPr id="80" name="Shape 80"/>
+        <p:cNvPr id="81" name="Shape 81"/>
         <p:cNvGrpSpPr/>
         <p:nvPr/>
       </p:nvGrpSpPr>
@@ -2709,7 +3109,7 @@
       </p:grpSpPr>
       <p:sp>
         <p:nvSpPr>
-          <p:cNvPr id="81" name="Google Shape;81;g3403a115bc_0_23:notes"/>
+          <p:cNvPr id="82" name="Google Shape;82;g3403a115bc_0_12:notes"/>
           <p:cNvSpPr/>
           <p:nvPr>
             <p:ph idx="2" type="sldImg"/>
@@ -2744,7 +3144,7 @@
       </p:sp>
       <p:sp>
         <p:nvSpPr>
-          <p:cNvPr id="82" name="Google Shape;82;g3403a115bc_0_23:notes"/>
+          <p:cNvPr id="83" name="Google Shape;83;g3403a115bc_0_12:notes"/>
           <p:cNvSpPr txBox="1"/>
           <p:nvPr>
             <p:ph idx="1" type="body"/>
@@ -2794,7 +3194,7 @@
   <p:cSld>
     <p:spTree>
       <p:nvGrpSpPr>
-        <p:cNvPr id="88" name="Shape 88"/>
+        <p:cNvPr id="89" name="Shape 89"/>
         <p:cNvGrpSpPr/>
         <p:nvPr/>
       </p:nvGrpSpPr>
@@ -2808,7 +3208,7 @@
       </p:grpSpPr>
       <p:sp>
         <p:nvSpPr>
-          <p:cNvPr id="89" name="Google Shape;89;g3403a115bc_0_32:notes"/>
+          <p:cNvPr id="90" name="Google Shape;90;g3403a115bc_0_23:notes"/>
           <p:cNvSpPr/>
           <p:nvPr>
             <p:ph idx="2" type="sldImg"/>
@@ -2843,7 +3243,7 @@
       </p:sp>
       <p:sp>
         <p:nvSpPr>
-          <p:cNvPr id="90" name="Google Shape;90;g3403a115bc_0_32:notes"/>
+          <p:cNvPr id="91" name="Google Shape;91;g3403a115bc_0_23:notes"/>
           <p:cNvSpPr txBox="1"/>
           <p:nvPr>
             <p:ph idx="1" type="body"/>
@@ -2893,7 +3293,7 @@
   <p:cSld>
     <p:spTree>
       <p:nvGrpSpPr>
-        <p:cNvPr id="96" name="Shape 96"/>
+        <p:cNvPr id="97" name="Shape 97"/>
         <p:cNvGrpSpPr/>
         <p:nvPr/>
       </p:nvGrpSpPr>
@@ -2907,7 +3307,7 @@
       </p:grpSpPr>
       <p:sp>
         <p:nvSpPr>
-          <p:cNvPr id="97" name="Google Shape;97;g3403a115bc_0_42:notes"/>
+          <p:cNvPr id="98" name="Google Shape;98;g3403a115bc_0_32:notes"/>
           <p:cNvSpPr/>
           <p:nvPr>
             <p:ph idx="2" type="sldImg"/>
@@ -2942,7 +3342,7 @@
       </p:sp>
       <p:sp>
         <p:nvSpPr>
-          <p:cNvPr id="98" name="Google Shape;98;g3403a115bc_0_42:notes"/>
+          <p:cNvPr id="99" name="Google Shape;99;g3403a115bc_0_32:notes"/>
           <p:cNvSpPr txBox="1"/>
           <p:nvPr>
             <p:ph idx="1" type="body"/>
@@ -2992,7 +3392,7 @@
   <p:cSld>
     <p:spTree>
       <p:nvGrpSpPr>
-        <p:cNvPr id="104" name="Shape 104"/>
+        <p:cNvPr id="105" name="Shape 105"/>
         <p:cNvGrpSpPr/>
         <p:nvPr/>
       </p:nvGrpSpPr>
@@ -3006,7 +3406,7 @@
       </p:grpSpPr>
       <p:sp>
         <p:nvSpPr>
-          <p:cNvPr id="105" name="Google Shape;105;g3403a115bc_0_51:notes"/>
+          <p:cNvPr id="106" name="Google Shape;106;g3403a115bc_0_42:notes"/>
           <p:cNvSpPr/>
           <p:nvPr>
             <p:ph idx="2" type="sldImg"/>
@@ -3041,7 +3441,7 @@
       </p:sp>
       <p:sp>
         <p:nvSpPr>
-          <p:cNvPr id="106" name="Google Shape;106;g3403a115bc_0_51:notes"/>
+          <p:cNvPr id="107" name="Google Shape;107;g3403a115bc_0_42:notes"/>
           <p:cNvSpPr txBox="1"/>
           <p:nvPr>
             <p:ph idx="1" type="body"/>
@@ -3091,7 +3491,7 @@
   <p:cSld>
     <p:spTree>
       <p:nvGrpSpPr>
-        <p:cNvPr id="112" name="Shape 112"/>
+        <p:cNvPr id="113" name="Shape 113"/>
         <p:cNvGrpSpPr/>
         <p:nvPr/>
       </p:nvGrpSpPr>
@@ -3105,7 +3505,7 @@
       </p:grpSpPr>
       <p:sp>
         <p:nvSpPr>
-          <p:cNvPr id="113" name="Google Shape;113;g60f06f4bfa_0_32:notes"/>
+          <p:cNvPr id="114" name="Google Shape;114;g3403a115bc_0_51:notes"/>
           <p:cNvSpPr/>
           <p:nvPr>
             <p:ph idx="2" type="sldImg"/>
@@ -3140,7 +3540,7 @@
       </p:sp>
       <p:sp>
         <p:nvSpPr>
-          <p:cNvPr id="114" name="Google Shape;114;g60f06f4bfa_0_32:notes"/>
+          <p:cNvPr id="115" name="Google Shape;115;g3403a115bc_0_51:notes"/>
           <p:cNvSpPr txBox="1"/>
           <p:nvPr>
             <p:ph idx="1" type="body"/>
@@ -7868,7 +8268,7 @@
         <p:spPr>
           <a:xfrm>
             <a:off x="2677975" y="0"/>
-            <a:ext cx="4205702" cy="4205702"/>
+            <a:ext cx="3481901" cy="3481901"/>
           </a:xfrm>
           <a:prstGeom prst="rect">
             <a:avLst/>
@@ -7887,8 +8287,8 @@
         </p:nvSpPr>
         <p:spPr>
           <a:xfrm>
-            <a:off x="900750" y="4205700"/>
-            <a:ext cx="7342500" cy="856500"/>
+            <a:off x="900750" y="3589700"/>
+            <a:ext cx="7342500" cy="614400"/>
           </a:xfrm>
           <a:prstGeom prst="rect">
             <a:avLst/>
@@ -7918,6 +8318,52 @@
               <a:t>EDA of 1000 Movies Dataset</a:t>
             </a:r>
             <a:endParaRPr sz="3000"/>
+          </a:p>
+        </p:txBody>
+      </p:sp>
+      <p:sp>
+        <p:nvSpPr>
+          <p:cNvPr id="56" name="Google Shape;56;p13"/>
+          <p:cNvSpPr txBox="1"/>
+          <p:nvPr/>
+        </p:nvSpPr>
+        <p:spPr>
+          <a:xfrm>
+            <a:off x="3963675" y="4204100"/>
+            <a:ext cx="7342500" cy="614400"/>
+          </a:xfrm>
+          <a:prstGeom prst="rect">
+            <a:avLst/>
+          </a:prstGeom>
+          <a:noFill/>
+          <a:ln>
+            <a:noFill/>
+          </a:ln>
+        </p:spPr>
+        <p:txBody>
+          <a:bodyPr anchorCtr="0" anchor="t" bIns="91425" lIns="91425" spcFirstLastPara="1" rIns="91425" wrap="square" tIns="91425">
+            <a:noAutofit/>
+          </a:bodyPr>
+          <a:lstStyle/>
+          <a:p>
+            <a:pPr indent="0" lvl="0" marL="1371600" rtl="0" algn="l">
+              <a:spcBef>
+                <a:spcPts val="0"/>
+              </a:spcBef>
+              <a:spcAft>
+                <a:spcPts val="0"/>
+              </a:spcAft>
+              <a:buNone/>
+            </a:pPr>
+            <a:r>
+              <a:rPr lang="en" sz="1800"/>
+              <a:t>b</a:t>
+            </a:r>
+            <a:r>
+              <a:rPr lang="en" sz="1800"/>
+              <a:t>y Vaibhav Javadekar</a:t>
+            </a:r>
+            <a:endParaRPr sz="1800"/>
           </a:p>
         </p:txBody>
       </p:sp>
@@ -7934,7 +8380,7 @@
   <p:cSld>
     <p:spTree>
       <p:nvGrpSpPr>
-        <p:cNvPr id="123" name="Shape 123"/>
+        <p:cNvPr id="124" name="Shape 124"/>
         <p:cNvGrpSpPr/>
         <p:nvPr/>
       </p:nvGrpSpPr>
@@ -7946,46 +8392,6 @@
           <a:chExt cx="0" cy="0"/>
         </a:xfrm>
       </p:grpSpPr>
-      <p:sp>
-        <p:nvSpPr>
-          <p:cNvPr id="124" name="Google Shape;124;p22"/>
-          <p:cNvSpPr txBox="1"/>
-          <p:nvPr>
-            <p:ph type="title"/>
-          </p:nvPr>
-        </p:nvSpPr>
-        <p:spPr>
-          <a:xfrm>
-            <a:off x="1462825" y="77000"/>
-            <a:ext cx="5682600" cy="941100"/>
-          </a:xfrm>
-          <a:prstGeom prst="rect">
-            <a:avLst/>
-          </a:prstGeom>
-        </p:spPr>
-        <p:txBody>
-          <a:bodyPr anchorCtr="0" anchor="t" bIns="91425" lIns="91425" spcFirstLastPara="1" rIns="91425" wrap="square" tIns="91425">
-            <a:noAutofit/>
-          </a:bodyPr>
-          <a:lstStyle/>
-          <a:p>
-            <a:pPr indent="0" lvl="0" marL="0" rtl="0" algn="ctr">
-              <a:spcBef>
-                <a:spcPts val="0"/>
-              </a:spcBef>
-              <a:spcAft>
-                <a:spcPts val="0"/>
-              </a:spcAft>
-              <a:buNone/>
-            </a:pPr>
-            <a:r>
-              <a:rPr i="1" lang="en" sz="2000"/>
-              <a:t>Who are most active Directors ?</a:t>
-            </a:r>
-            <a:endParaRPr i="1" sz="2000"/>
-          </a:p>
-        </p:txBody>
-      </p:sp>
       <p:pic>
         <p:nvPicPr>
           <p:cNvPr id="125" name="Google Shape;125;p22"/>
@@ -8002,8 +8408,162 @@
         </p:blipFill>
         <p:spPr>
           <a:xfrm>
-            <a:off x="2583125" y="790700"/>
-            <a:ext cx="2976675" cy="4071725"/>
+            <a:off x="-362400" y="351700"/>
+            <a:ext cx="7961651" cy="4319775"/>
+          </a:xfrm>
+          <a:prstGeom prst="rect">
+            <a:avLst/>
+          </a:prstGeom>
+          <a:noFill/>
+          <a:ln>
+            <a:noFill/>
+          </a:ln>
+        </p:spPr>
+      </p:pic>
+      <p:sp>
+        <p:nvSpPr>
+          <p:cNvPr id="126" name="Google Shape;126;p22"/>
+          <p:cNvSpPr txBox="1"/>
+          <p:nvPr>
+            <p:ph type="title"/>
+          </p:nvPr>
+        </p:nvSpPr>
+        <p:spPr>
+          <a:xfrm>
+            <a:off x="1462825" y="77000"/>
+            <a:ext cx="5682600" cy="941100"/>
+          </a:xfrm>
+          <a:prstGeom prst="rect">
+            <a:avLst/>
+          </a:prstGeom>
+        </p:spPr>
+        <p:txBody>
+          <a:bodyPr anchorCtr="0" anchor="t" bIns="91425" lIns="91425" spcFirstLastPara="1" rIns="91425" wrap="square" tIns="91425">
+            <a:noAutofit/>
+          </a:bodyPr>
+          <a:lstStyle/>
+          <a:p>
+            <a:pPr indent="0" lvl="0" marL="0" rtl="0" algn="ctr">
+              <a:spcBef>
+                <a:spcPts val="0"/>
+              </a:spcBef>
+              <a:spcAft>
+                <a:spcPts val="0"/>
+              </a:spcAft>
+              <a:buNone/>
+            </a:pPr>
+            <a:r>
+              <a:rPr i="1" lang="en" sz="2000"/>
+              <a:t>Which Genre Movies are most produced ?</a:t>
+            </a:r>
+            <a:endParaRPr i="1" sz="2000"/>
+          </a:p>
+        </p:txBody>
+      </p:sp>
+      <p:sp>
+        <p:nvSpPr>
+          <p:cNvPr id="127" name="Google Shape;127;p22"/>
+          <p:cNvSpPr txBox="1"/>
+          <p:nvPr/>
+        </p:nvSpPr>
+        <p:spPr>
+          <a:xfrm>
+            <a:off x="1355750" y="4766650"/>
+            <a:ext cx="6849600" cy="856500"/>
+          </a:xfrm>
+          <a:prstGeom prst="rect">
+            <a:avLst/>
+          </a:prstGeom>
+          <a:noFill/>
+          <a:ln>
+            <a:noFill/>
+          </a:ln>
+        </p:spPr>
+        <p:txBody>
+          <a:bodyPr anchorCtr="0" anchor="t" bIns="91425" lIns="91425" spcFirstLastPara="1" rIns="91425" wrap="square" tIns="91425">
+            <a:noAutofit/>
+          </a:bodyPr>
+          <a:lstStyle/>
+          <a:p>
+            <a:pPr indent="0" lvl="0" marL="0" rtl="0" algn="l">
+              <a:spcBef>
+                <a:spcPts val="0"/>
+              </a:spcBef>
+              <a:spcAft>
+                <a:spcPts val="0"/>
+              </a:spcAft>
+              <a:buNone/>
+            </a:pPr>
+            <a:r>
+              <a:rPr b="1" i="1" lang="en" sz="1800">
+                <a:solidFill>
+                  <a:schemeClr val="dk1"/>
+                </a:solidFill>
+                <a:highlight>
+                  <a:srgbClr val="FFF2CC"/>
+                </a:highlight>
+              </a:rPr>
+              <a:t>Observation :</a:t>
+            </a:r>
+            <a:r>
+              <a:rPr i="1" lang="en" sz="1800">
+                <a:solidFill>
+                  <a:schemeClr val="dk1"/>
+                </a:solidFill>
+                <a:highlight>
+                  <a:srgbClr val="FFF2CC"/>
+                </a:highlight>
+              </a:rPr>
+              <a:t> ‘</a:t>
+            </a:r>
+            <a:r>
+              <a:rPr b="1" i="1" lang="en" sz="1800">
+                <a:solidFill>
+                  <a:schemeClr val="dk1"/>
+                </a:solidFill>
+                <a:highlight>
+                  <a:srgbClr val="FFF2CC"/>
+                </a:highlight>
+              </a:rPr>
+              <a:t>Drama’ </a:t>
+            </a:r>
+            <a:r>
+              <a:rPr i="1" lang="en" sz="1800">
+                <a:solidFill>
+                  <a:schemeClr val="dk1"/>
+                </a:solidFill>
+                <a:highlight>
+                  <a:srgbClr val="FFF2CC"/>
+                </a:highlight>
+              </a:rPr>
+              <a:t>Genre is most produced</a:t>
+            </a:r>
+            <a:endParaRPr i="1" sz="1800">
+              <a:highlight>
+                <a:srgbClr val="FFF2CC"/>
+              </a:highlight>
+            </a:endParaRPr>
+          </a:p>
+        </p:txBody>
+      </p:sp>
+      <p:pic>
+        <p:nvPicPr>
+          <p:cNvPr id="128" name="Google Shape;128;p22"/>
+          <p:cNvPicPr preferRelativeResize="0"/>
+          <p:nvPr/>
+        </p:nvPicPr>
+        <p:blipFill>
+          <a:blip r:embed="rId4">
+            <a:alphaModFix/>
+          </a:blip>
+          <a:stretch>
+            <a:fillRect/>
+          </a:stretch>
+        </p:blipFill>
+        <p:spPr>
+          <a:xfrm>
+            <a:off x="6944675" y="271975"/>
+            <a:ext cx="2085750" cy="4052325"/>
           </a:xfrm>
           <a:prstGeom prst="rect">
             <a:avLst/>
@@ -8027,7 +8587,7 @@
   <p:cSld>
     <p:spTree>
       <p:nvGrpSpPr>
-        <p:cNvPr id="129" name="Shape 129"/>
+        <p:cNvPr id="132" name="Shape 132"/>
         <p:cNvGrpSpPr/>
         <p:nvPr/>
       </p:nvGrpSpPr>
@@ -8041,7 +8601,165 @@
       </p:grpSpPr>
       <p:sp>
         <p:nvSpPr>
-          <p:cNvPr id="130" name="Google Shape;130;p23"/>
+          <p:cNvPr id="133" name="Google Shape;133;p23"/>
+          <p:cNvSpPr txBox="1"/>
+          <p:nvPr>
+            <p:ph type="ctrTitle"/>
+          </p:nvPr>
+        </p:nvSpPr>
+        <p:spPr>
+          <a:xfrm>
+            <a:off x="311708" y="744575"/>
+            <a:ext cx="8520600" cy="2052600"/>
+          </a:xfrm>
+          <a:prstGeom prst="rect">
+            <a:avLst/>
+          </a:prstGeom>
+        </p:spPr>
+        <p:txBody>
+          <a:bodyPr anchorCtr="0" anchor="b" bIns="91425" lIns="91425" spcFirstLastPara="1" rIns="91425" wrap="square" tIns="91425">
+            <a:noAutofit/>
+          </a:bodyPr>
+          <a:lstStyle/>
+          <a:p>
+            <a:pPr indent="0" lvl="0" marL="0" rtl="0" algn="ctr">
+              <a:spcBef>
+                <a:spcPts val="0"/>
+              </a:spcBef>
+              <a:spcAft>
+                <a:spcPts val="0"/>
+              </a:spcAft>
+              <a:buNone/>
+            </a:pPr>
+            <a:r>
+              <a:rPr lang="en"/>
+              <a:t>Analysis by Director</a:t>
+            </a:r>
+            <a:endParaRPr/>
+          </a:p>
+        </p:txBody>
+      </p:sp>
+    </p:spTree>
+  </p:cSld>
+  <p:clrMapOvr>
+    <a:masterClrMapping/>
+  </p:clrMapOvr>
+</p:sld>
+</file>
+
+<file path=ppt/slides/slide12.xml><?xml version="1.0" encoding="utf-8"?>
+<p:sld xmlns:a="http://schemas.openxmlformats.org/drawingml/2006/main" xmlns:r="http://schemas.openxmlformats.org/officeDocument/2006/relationships" xmlns:mc="http://schemas.openxmlformats.org/markup-compatibility/2006" xmlns:mv="urn:schemas-microsoft-com:mac:vml" xmlns:p="http://schemas.openxmlformats.org/presentationml/2006/main" xmlns:c="http://schemas.openxmlformats.org/drawingml/2006/chart" xmlns:dgm="http://schemas.openxmlformats.org/drawingml/2006/diagram" xmlns:o="urn:schemas-microsoft-com:office:office" xmlns:v="urn:schemas-microsoft-com:vml" xmlns:pvml="urn:schemas-microsoft-com:office:powerpoint" xmlns:com="http://schemas.openxmlformats.org/drawingml/2006/compatibility" xmlns:p14="http://schemas.microsoft.com/office/powerpoint/2010/main" xmlns:p15="http://schemas.microsoft.com/office/powerpoint/2012/main">
+  <p:cSld>
+    <p:spTree>
+      <p:nvGrpSpPr>
+        <p:cNvPr id="137" name="Shape 137"/>
+        <p:cNvGrpSpPr/>
+        <p:nvPr/>
+      </p:nvGrpSpPr>
+      <p:grpSpPr>
+        <a:xfrm>
+          <a:off x="0" y="0"/>
+          <a:ext cx="0" cy="0"/>
+          <a:chOff x="0" y="0"/>
+          <a:chExt cx="0" cy="0"/>
+        </a:xfrm>
+      </p:grpSpPr>
+      <p:sp>
+        <p:nvSpPr>
+          <p:cNvPr id="138" name="Google Shape;138;p24"/>
+          <p:cNvSpPr txBox="1"/>
+          <p:nvPr>
+            <p:ph type="title"/>
+          </p:nvPr>
+        </p:nvSpPr>
+        <p:spPr>
+          <a:xfrm>
+            <a:off x="1462825" y="77000"/>
+            <a:ext cx="5682600" cy="941100"/>
+          </a:xfrm>
+          <a:prstGeom prst="rect">
+            <a:avLst/>
+          </a:prstGeom>
+        </p:spPr>
+        <p:txBody>
+          <a:bodyPr anchorCtr="0" anchor="t" bIns="91425" lIns="91425" spcFirstLastPara="1" rIns="91425" wrap="square" tIns="91425">
+            <a:noAutofit/>
+          </a:bodyPr>
+          <a:lstStyle/>
+          <a:p>
+            <a:pPr indent="0" lvl="0" marL="0" rtl="0" algn="ctr">
+              <a:spcBef>
+                <a:spcPts val="0"/>
+              </a:spcBef>
+              <a:spcAft>
+                <a:spcPts val="0"/>
+              </a:spcAft>
+              <a:buNone/>
+            </a:pPr>
+            <a:r>
+              <a:rPr i="1" lang="en" sz="2000"/>
+              <a:t>Who are most active Directors ?</a:t>
+            </a:r>
+            <a:endParaRPr i="1" sz="2000"/>
+          </a:p>
+        </p:txBody>
+      </p:sp>
+      <p:pic>
+        <p:nvPicPr>
+          <p:cNvPr id="139" name="Google Shape;139;p24"/>
+          <p:cNvPicPr preferRelativeResize="0"/>
+          <p:nvPr/>
+        </p:nvPicPr>
+        <p:blipFill>
+          <a:blip r:embed="rId3">
+            <a:alphaModFix/>
+          </a:blip>
+          <a:stretch>
+            <a:fillRect/>
+          </a:stretch>
+        </p:blipFill>
+        <p:spPr>
+          <a:xfrm>
+            <a:off x="2583125" y="790700"/>
+            <a:ext cx="2976675" cy="4071725"/>
+          </a:xfrm>
+          <a:prstGeom prst="rect">
+            <a:avLst/>
+          </a:prstGeom>
+          <a:noFill/>
+          <a:ln>
+            <a:noFill/>
+          </a:ln>
+        </p:spPr>
+      </p:pic>
+    </p:spTree>
+  </p:cSld>
+  <p:clrMapOvr>
+    <a:masterClrMapping/>
+  </p:clrMapOvr>
+</p:sld>
+</file>
+
+<file path=ppt/slides/slide13.xml><?xml version="1.0" encoding="utf-8"?>
+<p:sld xmlns:a="http://schemas.openxmlformats.org/drawingml/2006/main" xmlns:r="http://schemas.openxmlformats.org/officeDocument/2006/relationships" xmlns:mc="http://schemas.openxmlformats.org/markup-compatibility/2006" xmlns:mv="urn:schemas-microsoft-com:mac:vml" xmlns:p="http://schemas.openxmlformats.org/presentationml/2006/main" xmlns:c="http://schemas.openxmlformats.org/drawingml/2006/chart" xmlns:dgm="http://schemas.openxmlformats.org/drawingml/2006/diagram" xmlns:o="urn:schemas-microsoft-com:office:office" xmlns:v="urn:schemas-microsoft-com:vml" xmlns:pvml="urn:schemas-microsoft-com:office:powerpoint" xmlns:com="http://schemas.openxmlformats.org/drawingml/2006/compatibility" xmlns:p14="http://schemas.microsoft.com/office/powerpoint/2010/main" xmlns:p15="http://schemas.microsoft.com/office/powerpoint/2012/main">
+  <p:cSld>
+    <p:spTree>
+      <p:nvGrpSpPr>
+        <p:cNvPr id="143" name="Shape 143"/>
+        <p:cNvGrpSpPr/>
+        <p:nvPr/>
+      </p:nvGrpSpPr>
+      <p:grpSpPr>
+        <a:xfrm>
+          <a:off x="0" y="0"/>
+          <a:ext cx="0" cy="0"/>
+          <a:chOff x="0" y="0"/>
+          <a:chExt cx="0" cy="0"/>
+        </a:xfrm>
+      </p:grpSpPr>
+      <p:sp>
+        <p:nvSpPr>
+          <p:cNvPr id="144" name="Google Shape;144;p25"/>
           <p:cNvSpPr txBox="1"/>
           <p:nvPr>
             <p:ph idx="4294967295" type="title"/>
@@ -8081,7 +8799,7 @@
       </p:sp>
       <p:sp>
         <p:nvSpPr>
-          <p:cNvPr id="131" name="Google Shape;131;p23"/>
+          <p:cNvPr id="145" name="Google Shape;145;p25"/>
           <p:cNvSpPr txBox="1"/>
           <p:nvPr/>
         </p:nvSpPr>
@@ -8148,7 +8866,7 @@
       </p:sp>
       <p:pic>
         <p:nvPicPr>
-          <p:cNvPr id="132" name="Google Shape;132;p23"/>
+          <p:cNvPr id="146" name="Google Shape;146;p25"/>
           <p:cNvPicPr preferRelativeResize="0"/>
           <p:nvPr/>
         </p:nvPicPr>
@@ -8176,7 +8894,7 @@
       </p:pic>
       <p:pic>
         <p:nvPicPr>
-          <p:cNvPr id="133" name="Google Shape;133;p23"/>
+          <p:cNvPr id="147" name="Google Shape;147;p25"/>
           <p:cNvPicPr preferRelativeResize="0"/>
           <p:nvPr/>
         </p:nvPicPr>
@@ -8210,12 +8928,12 @@
 </p:sld>
 </file>
 
-<file path=ppt/slides/slide12.xml><?xml version="1.0" encoding="utf-8"?>
+<file path=ppt/slides/slide14.xml><?xml version="1.0" encoding="utf-8"?>
 <p:sld xmlns:a="http://schemas.openxmlformats.org/drawingml/2006/main" xmlns:r="http://schemas.openxmlformats.org/officeDocument/2006/relationships" xmlns:mc="http://schemas.openxmlformats.org/markup-compatibility/2006" xmlns:mv="urn:schemas-microsoft-com:mac:vml" xmlns:p="http://schemas.openxmlformats.org/presentationml/2006/main" xmlns:c="http://schemas.openxmlformats.org/drawingml/2006/chart" xmlns:dgm="http://schemas.openxmlformats.org/drawingml/2006/diagram" xmlns:o="urn:schemas-microsoft-com:office:office" xmlns:v="urn:schemas-microsoft-com:vml" xmlns:pvml="urn:schemas-microsoft-com:office:powerpoint" xmlns:com="http://schemas.openxmlformats.org/drawingml/2006/compatibility" xmlns:p14="http://schemas.microsoft.com/office/powerpoint/2010/main" xmlns:p15="http://schemas.microsoft.com/office/powerpoint/2012/main">
   <p:cSld>
     <p:spTree>
       <p:nvGrpSpPr>
-        <p:cNvPr id="137" name="Shape 137"/>
+        <p:cNvPr id="151" name="Shape 151"/>
         <p:cNvGrpSpPr/>
         <p:nvPr/>
       </p:nvGrpSpPr>
@@ -8229,7 +8947,7 @@
       </p:grpSpPr>
       <p:sp>
         <p:nvSpPr>
-          <p:cNvPr id="138" name="Google Shape;138;p24"/>
+          <p:cNvPr id="152" name="Google Shape;152;p26"/>
           <p:cNvSpPr txBox="1"/>
           <p:nvPr>
             <p:ph idx="4294967295" type="title"/>
@@ -8273,7 +8991,7 @@
       </p:sp>
       <p:sp>
         <p:nvSpPr>
-          <p:cNvPr id="139" name="Google Shape;139;p24"/>
+          <p:cNvPr id="153" name="Google Shape;153;p26"/>
           <p:cNvSpPr txBox="1"/>
           <p:nvPr/>
         </p:nvSpPr>
@@ -8340,7 +9058,7 @@
       </p:sp>
       <p:pic>
         <p:nvPicPr>
-          <p:cNvPr id="140" name="Google Shape;140;p24"/>
+          <p:cNvPr id="154" name="Google Shape;154;p26"/>
           <p:cNvPicPr preferRelativeResize="0"/>
           <p:nvPr/>
         </p:nvPicPr>
@@ -8368,7 +9086,7 @@
       </p:pic>
       <p:pic>
         <p:nvPicPr>
-          <p:cNvPr id="141" name="Google Shape;141;p24"/>
+          <p:cNvPr id="155" name="Google Shape;155;p26"/>
           <p:cNvPicPr preferRelativeResize="0"/>
           <p:nvPr/>
         </p:nvPicPr>
@@ -8402,12 +9120,12 @@
 </p:sld>
 </file>
 
-<file path=ppt/slides/slide13.xml><?xml version="1.0" encoding="utf-8"?>
+<file path=ppt/slides/slide15.xml><?xml version="1.0" encoding="utf-8"?>
 <p:sld xmlns:a="http://schemas.openxmlformats.org/drawingml/2006/main" xmlns:r="http://schemas.openxmlformats.org/officeDocument/2006/relationships" xmlns:mc="http://schemas.openxmlformats.org/markup-compatibility/2006" xmlns:mv="urn:schemas-microsoft-com:mac:vml" xmlns:p="http://schemas.openxmlformats.org/presentationml/2006/main" xmlns:c="http://schemas.openxmlformats.org/drawingml/2006/chart" xmlns:dgm="http://schemas.openxmlformats.org/drawingml/2006/diagram" xmlns:o="urn:schemas-microsoft-com:office:office" xmlns:v="urn:schemas-microsoft-com:vml" xmlns:pvml="urn:schemas-microsoft-com:office:powerpoint" xmlns:com="http://schemas.openxmlformats.org/drawingml/2006/compatibility" xmlns:p14="http://schemas.microsoft.com/office/powerpoint/2010/main" xmlns:p15="http://schemas.microsoft.com/office/powerpoint/2012/main">
   <p:cSld>
     <p:spTree>
       <p:nvGrpSpPr>
-        <p:cNvPr id="145" name="Shape 145"/>
+        <p:cNvPr id="159" name="Shape 159"/>
         <p:cNvGrpSpPr/>
         <p:nvPr/>
       </p:nvGrpSpPr>
@@ -8421,7 +9139,7 @@
       </p:grpSpPr>
       <p:sp>
         <p:nvSpPr>
-          <p:cNvPr id="146" name="Google Shape;146;p25"/>
+          <p:cNvPr id="160" name="Google Shape;160;p27"/>
           <p:cNvSpPr txBox="1"/>
           <p:nvPr>
             <p:ph idx="4294967295" type="title"/>
@@ -8461,7 +9179,7 @@
       </p:sp>
       <p:sp>
         <p:nvSpPr>
-          <p:cNvPr id="147" name="Google Shape;147;p25"/>
+          <p:cNvPr id="161" name="Google Shape;161;p27"/>
           <p:cNvSpPr txBox="1"/>
           <p:nvPr/>
         </p:nvSpPr>
@@ -8528,7 +9246,7 @@
       </p:sp>
       <p:pic>
         <p:nvPicPr>
-          <p:cNvPr id="148" name="Google Shape;148;p25"/>
+          <p:cNvPr id="162" name="Google Shape;162;p27"/>
           <p:cNvPicPr preferRelativeResize="0"/>
           <p:nvPr/>
         </p:nvPicPr>
@@ -8556,7 +9274,7 @@
       </p:pic>
       <p:pic>
         <p:nvPicPr>
-          <p:cNvPr id="149" name="Google Shape;149;p25"/>
+          <p:cNvPr id="163" name="Google Shape;163;p27"/>
           <p:cNvPicPr preferRelativeResize="0"/>
           <p:nvPr/>
         </p:nvPicPr>
@@ -8590,12 +9308,12 @@
 </p:sld>
 </file>
 
-<file path=ppt/slides/slide14.xml><?xml version="1.0" encoding="utf-8"?>
+<file path=ppt/slides/slide16.xml><?xml version="1.0" encoding="utf-8"?>
 <p:sld xmlns:a="http://schemas.openxmlformats.org/drawingml/2006/main" xmlns:r="http://schemas.openxmlformats.org/officeDocument/2006/relationships" xmlns:mc="http://schemas.openxmlformats.org/markup-compatibility/2006" xmlns:mv="urn:schemas-microsoft-com:mac:vml" xmlns:p="http://schemas.openxmlformats.org/presentationml/2006/main" xmlns:c="http://schemas.openxmlformats.org/drawingml/2006/chart" xmlns:dgm="http://schemas.openxmlformats.org/drawingml/2006/diagram" xmlns:o="urn:schemas-microsoft-com:office:office" xmlns:v="urn:schemas-microsoft-com:vml" xmlns:pvml="urn:schemas-microsoft-com:office:powerpoint" xmlns:com="http://schemas.openxmlformats.org/drawingml/2006/compatibility" xmlns:p14="http://schemas.microsoft.com/office/powerpoint/2010/main" xmlns:p15="http://schemas.microsoft.com/office/powerpoint/2012/main">
   <p:cSld>
     <p:spTree>
       <p:nvGrpSpPr>
-        <p:cNvPr id="153" name="Shape 153"/>
+        <p:cNvPr id="167" name="Shape 167"/>
         <p:cNvGrpSpPr/>
         <p:nvPr/>
       </p:nvGrpSpPr>
@@ -8609,7 +9327,7 @@
       </p:grpSpPr>
       <p:sp>
         <p:nvSpPr>
-          <p:cNvPr id="154" name="Google Shape;154;p26"/>
+          <p:cNvPr id="168" name="Google Shape;168;p28"/>
           <p:cNvSpPr txBox="1"/>
           <p:nvPr>
             <p:ph idx="4294967295" type="title"/>
@@ -8649,7 +9367,7 @@
       </p:sp>
       <p:sp>
         <p:nvSpPr>
-          <p:cNvPr id="155" name="Google Shape;155;p26"/>
+          <p:cNvPr id="169" name="Google Shape;169;p28"/>
           <p:cNvSpPr txBox="1"/>
           <p:nvPr/>
         </p:nvSpPr>
@@ -8716,7 +9434,7 @@
       </p:sp>
       <p:pic>
         <p:nvPicPr>
-          <p:cNvPr id="156" name="Google Shape;156;p26"/>
+          <p:cNvPr id="170" name="Google Shape;170;p28"/>
           <p:cNvPicPr preferRelativeResize="0"/>
           <p:nvPr/>
         </p:nvPicPr>
@@ -8744,7 +9462,7 @@
       </p:pic>
       <p:pic>
         <p:nvPicPr>
-          <p:cNvPr id="157" name="Google Shape;157;p26"/>
+          <p:cNvPr id="171" name="Google Shape;171;p28"/>
           <p:cNvPicPr preferRelativeResize="0"/>
           <p:nvPr/>
         </p:nvPicPr>
@@ -8778,12 +9496,12 @@
 </p:sld>
 </file>
 
-<file path=ppt/slides/slide15.xml><?xml version="1.0" encoding="utf-8"?>
+<file path=ppt/slides/slide17.xml><?xml version="1.0" encoding="utf-8"?>
 <p:sld xmlns:a="http://schemas.openxmlformats.org/drawingml/2006/main" xmlns:r="http://schemas.openxmlformats.org/officeDocument/2006/relationships" xmlns:mc="http://schemas.openxmlformats.org/markup-compatibility/2006" xmlns:mv="urn:schemas-microsoft-com:mac:vml" xmlns:p="http://schemas.openxmlformats.org/presentationml/2006/main" xmlns:c="http://schemas.openxmlformats.org/drawingml/2006/chart" xmlns:dgm="http://schemas.openxmlformats.org/drawingml/2006/diagram" xmlns:o="urn:schemas-microsoft-com:office:office" xmlns:v="urn:schemas-microsoft-com:vml" xmlns:pvml="urn:schemas-microsoft-com:office:powerpoint" xmlns:com="http://schemas.openxmlformats.org/drawingml/2006/compatibility" xmlns:p14="http://schemas.microsoft.com/office/powerpoint/2010/main" xmlns:p15="http://schemas.microsoft.com/office/powerpoint/2012/main">
   <p:cSld>
     <p:spTree>
       <p:nvGrpSpPr>
-        <p:cNvPr id="161" name="Shape 161"/>
+        <p:cNvPr id="175" name="Shape 175"/>
         <p:cNvGrpSpPr/>
         <p:nvPr/>
       </p:nvGrpSpPr>
@@ -8797,7 +9515,7 @@
       </p:grpSpPr>
       <p:sp>
         <p:nvSpPr>
-          <p:cNvPr id="162" name="Google Shape;162;p27"/>
+          <p:cNvPr id="176" name="Google Shape;176;p29"/>
           <p:cNvSpPr txBox="1"/>
           <p:nvPr>
             <p:ph idx="4294967295" type="title"/>
@@ -8837,7 +9555,7 @@
       </p:sp>
       <p:sp>
         <p:nvSpPr>
-          <p:cNvPr id="163" name="Google Shape;163;p27"/>
+          <p:cNvPr id="177" name="Google Shape;177;p29"/>
           <p:cNvSpPr txBox="1"/>
           <p:nvPr/>
         </p:nvSpPr>
@@ -8904,7 +9622,7 @@
       </p:sp>
       <p:pic>
         <p:nvPicPr>
-          <p:cNvPr id="164" name="Google Shape;164;p27"/>
+          <p:cNvPr id="178" name="Google Shape;178;p29"/>
           <p:cNvPicPr preferRelativeResize="0"/>
           <p:nvPr/>
         </p:nvPicPr>
@@ -8932,7 +9650,7 @@
       </p:pic>
       <p:pic>
         <p:nvPicPr>
-          <p:cNvPr id="165" name="Google Shape;165;p27"/>
+          <p:cNvPr id="179" name="Google Shape;179;p29"/>
           <p:cNvPicPr preferRelativeResize="0"/>
           <p:nvPr/>
         </p:nvPicPr>
@@ -8966,12 +9684,12 @@
 </p:sld>
 </file>
 
-<file path=ppt/slides/slide16.xml><?xml version="1.0" encoding="utf-8"?>
+<file path=ppt/slides/slide18.xml><?xml version="1.0" encoding="utf-8"?>
 <p:sld xmlns:a="http://schemas.openxmlformats.org/drawingml/2006/main" xmlns:r="http://schemas.openxmlformats.org/officeDocument/2006/relationships" xmlns:mc="http://schemas.openxmlformats.org/markup-compatibility/2006" xmlns:mv="urn:schemas-microsoft-com:mac:vml" xmlns:p="http://schemas.openxmlformats.org/presentationml/2006/main" xmlns:c="http://schemas.openxmlformats.org/drawingml/2006/chart" xmlns:dgm="http://schemas.openxmlformats.org/drawingml/2006/diagram" xmlns:o="urn:schemas-microsoft-com:office:office" xmlns:v="urn:schemas-microsoft-com:vml" xmlns:pvml="urn:schemas-microsoft-com:office:powerpoint" xmlns:com="http://schemas.openxmlformats.org/drawingml/2006/compatibility" xmlns:p14="http://schemas.microsoft.com/office/powerpoint/2010/main" xmlns:p15="http://schemas.microsoft.com/office/powerpoint/2012/main">
   <p:cSld>
     <p:spTree>
       <p:nvGrpSpPr>
-        <p:cNvPr id="169" name="Shape 169"/>
+        <p:cNvPr id="183" name="Shape 183"/>
         <p:cNvGrpSpPr/>
         <p:nvPr/>
       </p:nvGrpSpPr>
@@ -8985,7 +9703,72 @@
       </p:grpSpPr>
       <p:sp>
         <p:nvSpPr>
-          <p:cNvPr id="170" name="Google Shape;170;p28"/>
+          <p:cNvPr id="184" name="Google Shape;184;p30"/>
+          <p:cNvSpPr txBox="1"/>
+          <p:nvPr>
+            <p:ph type="ctrTitle"/>
+          </p:nvPr>
+        </p:nvSpPr>
+        <p:spPr>
+          <a:xfrm>
+            <a:off x="311708" y="744575"/>
+            <a:ext cx="8520600" cy="2052600"/>
+          </a:xfrm>
+          <a:prstGeom prst="rect">
+            <a:avLst/>
+          </a:prstGeom>
+        </p:spPr>
+        <p:txBody>
+          <a:bodyPr anchorCtr="0" anchor="b" bIns="91425" lIns="91425" spcFirstLastPara="1" rIns="91425" wrap="square" tIns="91425">
+            <a:noAutofit/>
+          </a:bodyPr>
+          <a:lstStyle/>
+          <a:p>
+            <a:pPr indent="0" lvl="0" marL="0" rtl="0" algn="ctr">
+              <a:spcBef>
+                <a:spcPts val="0"/>
+              </a:spcBef>
+              <a:spcAft>
+                <a:spcPts val="0"/>
+              </a:spcAft>
+              <a:buNone/>
+            </a:pPr>
+            <a:r>
+              <a:rPr lang="en"/>
+              <a:t>Analysis by each Year</a:t>
+            </a:r>
+            <a:endParaRPr/>
+          </a:p>
+        </p:txBody>
+      </p:sp>
+    </p:spTree>
+  </p:cSld>
+  <p:clrMapOvr>
+    <a:masterClrMapping/>
+  </p:clrMapOvr>
+</p:sld>
+</file>
+
+<file path=ppt/slides/slide19.xml><?xml version="1.0" encoding="utf-8"?>
+<p:sld xmlns:a="http://schemas.openxmlformats.org/drawingml/2006/main" xmlns:r="http://schemas.openxmlformats.org/officeDocument/2006/relationships" xmlns:mc="http://schemas.openxmlformats.org/markup-compatibility/2006" xmlns:mv="urn:schemas-microsoft-com:mac:vml" xmlns:p="http://schemas.openxmlformats.org/presentationml/2006/main" xmlns:c="http://schemas.openxmlformats.org/drawingml/2006/chart" xmlns:dgm="http://schemas.openxmlformats.org/drawingml/2006/diagram" xmlns:o="urn:schemas-microsoft-com:office:office" xmlns:v="urn:schemas-microsoft-com:vml" xmlns:pvml="urn:schemas-microsoft-com:office:powerpoint" xmlns:com="http://schemas.openxmlformats.org/drawingml/2006/compatibility" xmlns:p14="http://schemas.microsoft.com/office/powerpoint/2010/main" xmlns:p15="http://schemas.microsoft.com/office/powerpoint/2012/main">
+  <p:cSld>
+    <p:spTree>
+      <p:nvGrpSpPr>
+        <p:cNvPr id="188" name="Shape 188"/>
+        <p:cNvGrpSpPr/>
+        <p:nvPr/>
+      </p:nvGrpSpPr>
+      <p:grpSpPr>
+        <a:xfrm>
+          <a:off x="0" y="0"/>
+          <a:ext cx="0" cy="0"/>
+          <a:chOff x="0" y="0"/>
+          <a:chExt cx="0" cy="0"/>
+        </a:xfrm>
+      </p:grpSpPr>
+      <p:sp>
+        <p:nvSpPr>
+          <p:cNvPr id="189" name="Google Shape;189;p31"/>
           <p:cNvSpPr txBox="1"/>
           <p:nvPr>
             <p:ph idx="4294967295" type="title"/>
@@ -9025,7 +9808,7 @@
       </p:sp>
       <p:sp>
         <p:nvSpPr>
-          <p:cNvPr id="171" name="Google Shape;171;p28"/>
+          <p:cNvPr id="190" name="Google Shape;190;p31"/>
           <p:cNvSpPr txBox="1"/>
           <p:nvPr/>
         </p:nvSpPr>
@@ -9092,7 +9875,7 @@
       </p:sp>
       <p:pic>
         <p:nvPicPr>
-          <p:cNvPr id="172" name="Google Shape;172;p28"/>
+          <p:cNvPr id="191" name="Google Shape;191;p31"/>
           <p:cNvPicPr preferRelativeResize="0"/>
           <p:nvPr/>
         </p:nvPicPr>
@@ -9126,12 +9909,12 @@
 </p:sld>
 </file>
 
-<file path=ppt/slides/slide17.xml><?xml version="1.0" encoding="utf-8"?>
+<file path=ppt/slides/slide2.xml><?xml version="1.0" encoding="utf-8"?>
 <p:sld xmlns:a="http://schemas.openxmlformats.org/drawingml/2006/main" xmlns:r="http://schemas.openxmlformats.org/officeDocument/2006/relationships" xmlns:mc="http://schemas.openxmlformats.org/markup-compatibility/2006" xmlns:mv="urn:schemas-microsoft-com:mac:vml" xmlns:p="http://schemas.openxmlformats.org/presentationml/2006/main" xmlns:c="http://schemas.openxmlformats.org/drawingml/2006/chart" xmlns:dgm="http://schemas.openxmlformats.org/drawingml/2006/diagram" xmlns:o="urn:schemas-microsoft-com:office:office" xmlns:v="urn:schemas-microsoft-com:vml" xmlns:pvml="urn:schemas-microsoft-com:office:powerpoint" xmlns:com="http://schemas.openxmlformats.org/drawingml/2006/compatibility" xmlns:p14="http://schemas.microsoft.com/office/powerpoint/2010/main" xmlns:p15="http://schemas.microsoft.com/office/powerpoint/2012/main">
   <p:cSld>
     <p:spTree>
       <p:nvGrpSpPr>
-        <p:cNvPr id="176" name="Shape 176"/>
+        <p:cNvPr id="60" name="Shape 60"/>
         <p:cNvGrpSpPr/>
         <p:nvPr/>
       </p:nvGrpSpPr>
@@ -9145,7 +9928,236 @@
       </p:grpSpPr>
       <p:sp>
         <p:nvSpPr>
-          <p:cNvPr id="177" name="Google Shape;177;p29"/>
+          <p:cNvPr id="61" name="Google Shape;61;p14"/>
+          <p:cNvSpPr txBox="1"/>
+          <p:nvPr>
+            <p:ph idx="4294967295" type="title"/>
+          </p:nvPr>
+        </p:nvSpPr>
+        <p:spPr>
+          <a:xfrm>
+            <a:off x="416325" y="168200"/>
+            <a:ext cx="8467800" cy="449700"/>
+          </a:xfrm>
+          <a:prstGeom prst="rect">
+            <a:avLst/>
+          </a:prstGeom>
+        </p:spPr>
+        <p:txBody>
+          <a:bodyPr anchorCtr="0" anchor="t" bIns="91425" lIns="91425" spcFirstLastPara="1" rIns="91425" wrap="square" tIns="91425">
+            <a:noAutofit/>
+          </a:bodyPr>
+          <a:lstStyle/>
+          <a:p>
+            <a:pPr indent="0" lvl="0" marL="0" rtl="0" algn="ctr">
+              <a:spcBef>
+                <a:spcPts val="0"/>
+              </a:spcBef>
+              <a:spcAft>
+                <a:spcPts val="0"/>
+              </a:spcAft>
+              <a:buNone/>
+            </a:pPr>
+            <a:r>
+              <a:rPr b="1" i="1" lang="en" sz="1800"/>
+              <a:t>Little information about Dataset</a:t>
+            </a:r>
+            <a:endParaRPr b="1" i="1" sz="1800"/>
+          </a:p>
+        </p:txBody>
+      </p:sp>
+      <p:pic>
+        <p:nvPicPr>
+          <p:cNvPr id="62" name="Google Shape;62;p14"/>
+          <p:cNvPicPr preferRelativeResize="0"/>
+          <p:nvPr/>
+        </p:nvPicPr>
+        <p:blipFill>
+          <a:blip r:embed="rId3">
+            <a:alphaModFix/>
+          </a:blip>
+          <a:stretch>
+            <a:fillRect/>
+          </a:stretch>
+        </p:blipFill>
+        <p:spPr>
+          <a:xfrm>
+            <a:off x="3646875" y="617900"/>
+            <a:ext cx="2345500" cy="4459350"/>
+          </a:xfrm>
+          <a:prstGeom prst="rect">
+            <a:avLst/>
+          </a:prstGeom>
+          <a:noFill/>
+          <a:ln>
+            <a:noFill/>
+          </a:ln>
+        </p:spPr>
+      </p:pic>
+      <p:pic>
+        <p:nvPicPr>
+          <p:cNvPr id="63" name="Google Shape;63;p14"/>
+          <p:cNvPicPr preferRelativeResize="0"/>
+          <p:nvPr/>
+        </p:nvPicPr>
+        <p:blipFill>
+          <a:blip r:embed="rId4">
+            <a:alphaModFix/>
+          </a:blip>
+          <a:stretch>
+            <a:fillRect/>
+          </a:stretch>
+        </p:blipFill>
+        <p:spPr>
+          <a:xfrm>
+            <a:off x="109350" y="1193950"/>
+            <a:ext cx="2624590" cy="2163400"/>
+          </a:xfrm>
+          <a:prstGeom prst="rect">
+            <a:avLst/>
+          </a:prstGeom>
+          <a:noFill/>
+          <a:ln>
+            <a:noFill/>
+          </a:ln>
+        </p:spPr>
+      </p:pic>
+      <p:pic>
+        <p:nvPicPr>
+          <p:cNvPr id="64" name="Google Shape;64;p14"/>
+          <p:cNvPicPr preferRelativeResize="0"/>
+          <p:nvPr/>
+        </p:nvPicPr>
+        <p:blipFill>
+          <a:blip r:embed="rId5">
+            <a:alphaModFix/>
+          </a:blip>
+          <a:stretch>
+            <a:fillRect/>
+          </a:stretch>
+        </p:blipFill>
+        <p:spPr>
+          <a:xfrm>
+            <a:off x="6127775" y="770300"/>
+            <a:ext cx="3016225" cy="1536568"/>
+          </a:xfrm>
+          <a:prstGeom prst="rect">
+            <a:avLst/>
+          </a:prstGeom>
+          <a:noFill/>
+          <a:ln>
+            <a:noFill/>
+          </a:ln>
+        </p:spPr>
+      </p:pic>
+      <p:pic>
+        <p:nvPicPr>
+          <p:cNvPr id="65" name="Google Shape;65;p14"/>
+          <p:cNvPicPr preferRelativeResize="0"/>
+          <p:nvPr/>
+        </p:nvPicPr>
+        <p:blipFill>
+          <a:blip r:embed="rId6">
+            <a:alphaModFix/>
+          </a:blip>
+          <a:stretch>
+            <a:fillRect/>
+          </a:stretch>
+        </p:blipFill>
+        <p:spPr>
+          <a:xfrm>
+            <a:off x="7036400" y="2936643"/>
+            <a:ext cx="1524000" cy="1809750"/>
+          </a:xfrm>
+          <a:prstGeom prst="rect">
+            <a:avLst/>
+          </a:prstGeom>
+          <a:noFill/>
+          <a:ln>
+            <a:noFill/>
+          </a:ln>
+        </p:spPr>
+      </p:pic>
+      <p:sp>
+        <p:nvSpPr>
+          <p:cNvPr id="66" name="Google Shape;66;p14"/>
+          <p:cNvSpPr/>
+          <p:nvPr/>
+        </p:nvSpPr>
+        <p:spPr>
+          <a:xfrm>
+            <a:off x="2633350" y="2306875"/>
+            <a:ext cx="862500" cy="172500"/>
+          </a:xfrm>
+          <a:prstGeom prst="rightArrow">
+            <a:avLst>
+              <a:gd fmla="val 50000" name="adj1"/>
+              <a:gd fmla="val 50000" name="adj2"/>
+            </a:avLst>
+          </a:prstGeom>
+          <a:solidFill>
+            <a:schemeClr val="lt2"/>
+          </a:solidFill>
+          <a:ln cap="flat" cmpd="sng" w="9525">
+            <a:solidFill>
+              <a:schemeClr val="dk2"/>
+            </a:solidFill>
+            <a:prstDash val="solid"/>
+            <a:round/>
+            <a:headEnd len="sm" w="sm" type="none"/>
+            <a:tailEnd len="sm" w="sm" type="none"/>
+          </a:ln>
+        </p:spPr>
+        <p:txBody>
+          <a:bodyPr anchorCtr="0" anchor="ctr" bIns="91425" lIns="91425" spcFirstLastPara="1" rIns="91425" wrap="square" tIns="91425">
+            <a:noAutofit/>
+          </a:bodyPr>
+          <a:lstStyle/>
+          <a:p>
+            <a:pPr indent="0" lvl="0" marL="0" rtl="0" algn="l">
+              <a:spcBef>
+                <a:spcPts val="0"/>
+              </a:spcBef>
+              <a:spcAft>
+                <a:spcPts val="0"/>
+              </a:spcAft>
+              <a:buNone/>
+            </a:pPr>
+            <a:r>
+              <a:t/>
+            </a:r>
+            <a:endParaRPr/>
+          </a:p>
+        </p:txBody>
+      </p:sp>
+    </p:spTree>
+  </p:cSld>
+  <p:clrMapOvr>
+    <a:masterClrMapping/>
+  </p:clrMapOvr>
+</p:sld>
+</file>
+
+<file path=ppt/slides/slide20.xml><?xml version="1.0" encoding="utf-8"?>
+<p:sld xmlns:a="http://schemas.openxmlformats.org/drawingml/2006/main" xmlns:r="http://schemas.openxmlformats.org/officeDocument/2006/relationships" xmlns:mc="http://schemas.openxmlformats.org/markup-compatibility/2006" xmlns:mv="urn:schemas-microsoft-com:mac:vml" xmlns:p="http://schemas.openxmlformats.org/presentationml/2006/main" xmlns:c="http://schemas.openxmlformats.org/drawingml/2006/chart" xmlns:dgm="http://schemas.openxmlformats.org/drawingml/2006/diagram" xmlns:o="urn:schemas-microsoft-com:office:office" xmlns:v="urn:schemas-microsoft-com:vml" xmlns:pvml="urn:schemas-microsoft-com:office:powerpoint" xmlns:com="http://schemas.openxmlformats.org/drawingml/2006/compatibility" xmlns:p14="http://schemas.microsoft.com/office/powerpoint/2010/main" xmlns:p15="http://schemas.microsoft.com/office/powerpoint/2012/main">
+  <p:cSld>
+    <p:spTree>
+      <p:nvGrpSpPr>
+        <p:cNvPr id="195" name="Shape 195"/>
+        <p:cNvGrpSpPr/>
+        <p:nvPr/>
+      </p:nvGrpSpPr>
+      <p:grpSpPr>
+        <a:xfrm>
+          <a:off x="0" y="0"/>
+          <a:ext cx="0" cy="0"/>
+          <a:chOff x="0" y="0"/>
+          <a:chExt cx="0" cy="0"/>
+        </a:xfrm>
+      </p:grpSpPr>
+      <p:sp>
+        <p:nvSpPr>
+          <p:cNvPr id="196" name="Google Shape;196;p32"/>
           <p:cNvSpPr txBox="1"/>
           <p:nvPr>
             <p:ph idx="4294967295" type="title"/>
@@ -9185,7 +10197,7 @@
       </p:sp>
       <p:sp>
         <p:nvSpPr>
-          <p:cNvPr id="178" name="Google Shape;178;p29"/>
+          <p:cNvPr id="197" name="Google Shape;197;p32"/>
           <p:cNvSpPr txBox="1"/>
           <p:nvPr/>
         </p:nvSpPr>
@@ -9252,7 +10264,7 @@
       </p:sp>
       <p:pic>
         <p:nvPicPr>
-          <p:cNvPr id="179" name="Google Shape;179;p29"/>
+          <p:cNvPr id="198" name="Google Shape;198;p32"/>
           <p:cNvPicPr preferRelativeResize="0"/>
           <p:nvPr/>
         </p:nvPicPr>
@@ -9286,12 +10298,12 @@
 </p:sld>
 </file>
 
-<file path=ppt/slides/slide18.xml><?xml version="1.0" encoding="utf-8"?>
+<file path=ppt/slides/slide21.xml><?xml version="1.0" encoding="utf-8"?>
 <p:sld xmlns:a="http://schemas.openxmlformats.org/drawingml/2006/main" xmlns:r="http://schemas.openxmlformats.org/officeDocument/2006/relationships" xmlns:mc="http://schemas.openxmlformats.org/markup-compatibility/2006" xmlns:mv="urn:schemas-microsoft-com:mac:vml" xmlns:p="http://schemas.openxmlformats.org/presentationml/2006/main" xmlns:c="http://schemas.openxmlformats.org/drawingml/2006/chart" xmlns:dgm="http://schemas.openxmlformats.org/drawingml/2006/diagram" xmlns:o="urn:schemas-microsoft-com:office:office" xmlns:v="urn:schemas-microsoft-com:vml" xmlns:pvml="urn:schemas-microsoft-com:office:powerpoint" xmlns:com="http://schemas.openxmlformats.org/drawingml/2006/compatibility" xmlns:p14="http://schemas.microsoft.com/office/powerpoint/2010/main" xmlns:p15="http://schemas.microsoft.com/office/powerpoint/2012/main">
   <p:cSld>
     <p:spTree>
       <p:nvGrpSpPr>
-        <p:cNvPr id="183" name="Shape 183"/>
+        <p:cNvPr id="202" name="Shape 202"/>
         <p:cNvGrpSpPr/>
         <p:nvPr/>
       </p:nvGrpSpPr>
@@ -9305,7 +10317,7 @@
       </p:grpSpPr>
       <p:sp>
         <p:nvSpPr>
-          <p:cNvPr id="184" name="Google Shape;184;p30"/>
+          <p:cNvPr id="203" name="Google Shape;203;p33"/>
           <p:cNvSpPr txBox="1"/>
           <p:nvPr>
             <p:ph idx="4294967295" type="title"/>
@@ -9345,7 +10357,7 @@
       </p:sp>
       <p:sp>
         <p:nvSpPr>
-          <p:cNvPr id="185" name="Google Shape;185;p30"/>
+          <p:cNvPr id="204" name="Google Shape;204;p33"/>
           <p:cNvSpPr txBox="1"/>
           <p:nvPr/>
         </p:nvSpPr>
@@ -9412,7 +10424,7 @@
       </p:sp>
       <p:pic>
         <p:nvPicPr>
-          <p:cNvPr id="186" name="Google Shape;186;p30"/>
+          <p:cNvPr id="205" name="Google Shape;205;p33"/>
           <p:cNvPicPr preferRelativeResize="0"/>
           <p:nvPr/>
         </p:nvPicPr>
@@ -9446,12 +10458,12 @@
 </p:sld>
 </file>
 
-<file path=ppt/slides/slide19.xml><?xml version="1.0" encoding="utf-8"?>
+<file path=ppt/slides/slide22.xml><?xml version="1.0" encoding="utf-8"?>
 <p:sld xmlns:a="http://schemas.openxmlformats.org/drawingml/2006/main" xmlns:r="http://schemas.openxmlformats.org/officeDocument/2006/relationships" xmlns:mc="http://schemas.openxmlformats.org/markup-compatibility/2006" xmlns:mv="urn:schemas-microsoft-com:mac:vml" xmlns:p="http://schemas.openxmlformats.org/presentationml/2006/main" xmlns:c="http://schemas.openxmlformats.org/drawingml/2006/chart" xmlns:dgm="http://schemas.openxmlformats.org/drawingml/2006/diagram" xmlns:o="urn:schemas-microsoft-com:office:office" xmlns:v="urn:schemas-microsoft-com:vml" xmlns:pvml="urn:schemas-microsoft-com:office:powerpoint" xmlns:com="http://schemas.openxmlformats.org/drawingml/2006/compatibility" xmlns:p14="http://schemas.microsoft.com/office/powerpoint/2010/main" xmlns:p15="http://schemas.microsoft.com/office/powerpoint/2012/main">
   <p:cSld>
     <p:spTree>
       <p:nvGrpSpPr>
-        <p:cNvPr id="190" name="Shape 190"/>
+        <p:cNvPr id="209" name="Shape 209"/>
         <p:cNvGrpSpPr/>
         <p:nvPr/>
       </p:nvGrpSpPr>
@@ -9465,7 +10477,7 @@
       </p:grpSpPr>
       <p:sp>
         <p:nvSpPr>
-          <p:cNvPr id="191" name="Google Shape;191;p31"/>
+          <p:cNvPr id="210" name="Google Shape;210;p34"/>
           <p:cNvSpPr txBox="1"/>
           <p:nvPr>
             <p:ph type="title"/>
@@ -9505,7 +10517,7 @@
       </p:sp>
       <p:pic>
         <p:nvPicPr>
-          <p:cNvPr id="192" name="Google Shape;192;p31"/>
+          <p:cNvPr id="211" name="Google Shape;211;p34"/>
           <p:cNvPicPr preferRelativeResize="0"/>
           <p:nvPr/>
         </p:nvPicPr>
@@ -9533,7 +10545,7 @@
       </p:pic>
       <p:graphicFrame>
         <p:nvGraphicFramePr>
-          <p:cNvPr id="193" name="Google Shape;193;p31"/>
+          <p:cNvPr id="212" name="Google Shape;212;p34"/>
           <p:cNvGraphicFramePr/>
           <p:nvPr/>
         </p:nvGraphicFramePr>
@@ -9546,7 +10558,7 @@
             <a:tbl>
               <a:tblPr>
                 <a:noFill/>
-                <a:tableStyleId>{349EAC9B-E254-49A0-9D9F-57D4EA06EF5F}</a:tableStyleId>
+                <a:tableStyleId>{069582A4-B1DA-4EE5-8480-79ACDFF790AA}</a:tableStyleId>
               </a:tblPr>
               <a:tblGrid>
                 <a:gridCol w="1720800"/>
@@ -9942,7 +10954,7 @@
       </p:graphicFrame>
       <p:sp>
         <p:nvSpPr>
-          <p:cNvPr id="194" name="Google Shape;194;p31"/>
+          <p:cNvPr id="213" name="Google Shape;213;p34"/>
           <p:cNvSpPr txBox="1"/>
           <p:nvPr/>
         </p:nvSpPr>
@@ -10012,12 +11024,12 @@
 </p:sld>
 </file>
 
-<file path=ppt/slides/slide2.xml><?xml version="1.0" encoding="utf-8"?>
+<file path=ppt/slides/slide23.xml><?xml version="1.0" encoding="utf-8"?>
 <p:sld xmlns:a="http://schemas.openxmlformats.org/drawingml/2006/main" xmlns:r="http://schemas.openxmlformats.org/officeDocument/2006/relationships" xmlns:mc="http://schemas.openxmlformats.org/markup-compatibility/2006" xmlns:mv="urn:schemas-microsoft-com:mac:vml" xmlns:p="http://schemas.openxmlformats.org/presentationml/2006/main" xmlns:c="http://schemas.openxmlformats.org/drawingml/2006/chart" xmlns:dgm="http://schemas.openxmlformats.org/drawingml/2006/diagram" xmlns:o="urn:schemas-microsoft-com:office:office" xmlns:v="urn:schemas-microsoft-com:vml" xmlns:pvml="urn:schemas-microsoft-com:office:powerpoint" xmlns:com="http://schemas.openxmlformats.org/drawingml/2006/compatibility" xmlns:p14="http://schemas.microsoft.com/office/powerpoint/2010/main" xmlns:p15="http://schemas.microsoft.com/office/powerpoint/2012/main">
   <p:cSld>
     <p:spTree>
       <p:nvGrpSpPr>
-        <p:cNvPr id="59" name="Shape 59"/>
+        <p:cNvPr id="217" name="Shape 217"/>
         <p:cNvGrpSpPr/>
         <p:nvPr/>
       </p:nvGrpSpPr>
@@ -10031,16 +11043,16 @@
       </p:grpSpPr>
       <p:sp>
         <p:nvSpPr>
-          <p:cNvPr id="60" name="Google Shape;60;p14"/>
+          <p:cNvPr id="218" name="Google Shape;218;p35"/>
           <p:cNvSpPr txBox="1"/>
           <p:nvPr>
-            <p:ph idx="4294967295" type="title"/>
+            <p:ph type="title"/>
           </p:nvPr>
         </p:nvSpPr>
         <p:spPr>
           <a:xfrm>
-            <a:off x="416325" y="168200"/>
-            <a:ext cx="8467800" cy="449700"/>
+            <a:off x="5004900" y="138600"/>
+            <a:ext cx="4065600" cy="941100"/>
           </a:xfrm>
           <a:prstGeom prst="rect">
             <a:avLst/>
@@ -10062,16 +11074,16 @@
               <a:buNone/>
             </a:pPr>
             <a:r>
-              <a:rPr b="1" i="1" lang="en" sz="1800"/>
-              <a:t>Little information about Dataset</a:t>
+              <a:rPr i="1" lang="en" sz="2000"/>
+              <a:t>Which year has the highest revenue ?</a:t>
             </a:r>
-            <a:endParaRPr b="1" i="1" sz="1800"/>
+            <a:endParaRPr i="1" sz="2000"/>
           </a:p>
         </p:txBody>
       </p:sp>
       <p:pic>
         <p:nvPicPr>
-          <p:cNvPr id="61" name="Google Shape;61;p14"/>
+          <p:cNvPr id="219" name="Google Shape;219;p35"/>
           <p:cNvPicPr preferRelativeResize="0"/>
           <p:nvPr/>
         </p:nvPicPr>
@@ -10085,8 +11097,8 @@
         </p:blipFill>
         <p:spPr>
           <a:xfrm>
-            <a:off x="152400" y="531750"/>
-            <a:ext cx="2345500" cy="4459350"/>
+            <a:off x="152400" y="138600"/>
+            <a:ext cx="4852500" cy="4852500"/>
           </a:xfrm>
           <a:prstGeom prst="rect">
             <a:avLst/>
@@ -10097,130 +11109,9 @@
           </a:ln>
         </p:spPr>
       </p:pic>
-      <p:pic>
-        <p:nvPicPr>
-          <p:cNvPr id="62" name="Google Shape;62;p14"/>
-          <p:cNvPicPr preferRelativeResize="0"/>
-          <p:nvPr/>
-        </p:nvPicPr>
-        <p:blipFill>
-          <a:blip r:embed="rId4">
-            <a:alphaModFix/>
-          </a:blip>
-          <a:stretch>
-            <a:fillRect/>
-          </a:stretch>
-        </p:blipFill>
-        <p:spPr>
-          <a:xfrm>
-            <a:off x="2650300" y="770300"/>
-            <a:ext cx="6048375" cy="1905000"/>
-          </a:xfrm>
-          <a:prstGeom prst="rect">
-            <a:avLst/>
-          </a:prstGeom>
-          <a:noFill/>
-          <a:ln>
-            <a:noFill/>
-          </a:ln>
-        </p:spPr>
-      </p:pic>
-    </p:spTree>
-  </p:cSld>
-  <p:clrMapOvr>
-    <a:masterClrMapping/>
-  </p:clrMapOvr>
-</p:sld>
-</file>
-
-<file path=ppt/slides/slide20.xml><?xml version="1.0" encoding="utf-8"?>
-<p:sld xmlns:a="http://schemas.openxmlformats.org/drawingml/2006/main" xmlns:r="http://schemas.openxmlformats.org/officeDocument/2006/relationships" xmlns:mc="http://schemas.openxmlformats.org/markup-compatibility/2006" xmlns:mv="urn:schemas-microsoft-com:mac:vml" xmlns:p="http://schemas.openxmlformats.org/presentationml/2006/main" xmlns:c="http://schemas.openxmlformats.org/drawingml/2006/chart" xmlns:dgm="http://schemas.openxmlformats.org/drawingml/2006/diagram" xmlns:o="urn:schemas-microsoft-com:office:office" xmlns:v="urn:schemas-microsoft-com:vml" xmlns:pvml="urn:schemas-microsoft-com:office:powerpoint" xmlns:com="http://schemas.openxmlformats.org/drawingml/2006/compatibility" xmlns:p14="http://schemas.microsoft.com/office/powerpoint/2010/main" xmlns:p15="http://schemas.microsoft.com/office/powerpoint/2012/main">
-  <p:cSld>
-    <p:spTree>
-      <p:nvGrpSpPr>
-        <p:cNvPr id="198" name="Shape 198"/>
-        <p:cNvGrpSpPr/>
-        <p:nvPr/>
-      </p:nvGrpSpPr>
-      <p:grpSpPr>
-        <a:xfrm>
-          <a:off x="0" y="0"/>
-          <a:ext cx="0" cy="0"/>
-          <a:chOff x="0" y="0"/>
-          <a:chExt cx="0" cy="0"/>
-        </a:xfrm>
-      </p:grpSpPr>
-      <p:sp>
-        <p:nvSpPr>
-          <p:cNvPr id="199" name="Google Shape;199;p32"/>
-          <p:cNvSpPr txBox="1"/>
-          <p:nvPr>
-            <p:ph type="title"/>
-          </p:nvPr>
-        </p:nvSpPr>
-        <p:spPr>
-          <a:xfrm>
-            <a:off x="5004900" y="138600"/>
-            <a:ext cx="4065600" cy="941100"/>
-          </a:xfrm>
-          <a:prstGeom prst="rect">
-            <a:avLst/>
-          </a:prstGeom>
-        </p:spPr>
-        <p:txBody>
-          <a:bodyPr anchorCtr="0" anchor="t" bIns="91425" lIns="91425" spcFirstLastPara="1" rIns="91425" wrap="square" tIns="91425">
-            <a:noAutofit/>
-          </a:bodyPr>
-          <a:lstStyle/>
-          <a:p>
-            <a:pPr indent="0" lvl="0" marL="0" rtl="0" algn="ctr">
-              <a:spcBef>
-                <a:spcPts val="0"/>
-              </a:spcBef>
-              <a:spcAft>
-                <a:spcPts val="0"/>
-              </a:spcAft>
-              <a:buNone/>
-            </a:pPr>
-            <a:r>
-              <a:rPr i="1" lang="en" sz="2000"/>
-              <a:t>Which year has the highest revenue ?</a:t>
-            </a:r>
-            <a:endParaRPr i="1" sz="2000"/>
-          </a:p>
-        </p:txBody>
-      </p:sp>
-      <p:pic>
-        <p:nvPicPr>
-          <p:cNvPr id="200" name="Google Shape;200;p32"/>
-          <p:cNvPicPr preferRelativeResize="0"/>
-          <p:nvPr/>
-        </p:nvPicPr>
-        <p:blipFill>
-          <a:blip r:embed="rId3">
-            <a:alphaModFix/>
-          </a:blip>
-          <a:stretch>
-            <a:fillRect/>
-          </a:stretch>
-        </p:blipFill>
-        <p:spPr>
-          <a:xfrm>
-            <a:off x="152400" y="138600"/>
-            <a:ext cx="4852500" cy="4852500"/>
-          </a:xfrm>
-          <a:prstGeom prst="rect">
-            <a:avLst/>
-          </a:prstGeom>
-          <a:noFill/>
-          <a:ln>
-            <a:noFill/>
-          </a:ln>
-        </p:spPr>
-      </p:pic>
       <p:graphicFrame>
         <p:nvGraphicFramePr>
-          <p:cNvPr id="201" name="Google Shape;201;p32"/>
+          <p:cNvPr id="220" name="Google Shape;220;p35"/>
           <p:cNvGraphicFramePr/>
           <p:nvPr/>
         </p:nvGraphicFramePr>
@@ -10233,7 +11124,7 @@
             <a:tbl>
               <a:tblPr>
                 <a:noFill/>
-                <a:tableStyleId>{349EAC9B-E254-49A0-9D9F-57D4EA06EF5F}</a:tableStyleId>
+                <a:tableStyleId>{069582A4-B1DA-4EE5-8480-79ACDFF790AA}</a:tableStyleId>
               </a:tblPr>
               <a:tblGrid>
                 <a:gridCol w="1720800"/>
@@ -10629,7 +11520,7 @@
       </p:graphicFrame>
       <p:sp>
         <p:nvSpPr>
-          <p:cNvPr id="202" name="Google Shape;202;p32"/>
+          <p:cNvPr id="221" name="Google Shape;221;p35"/>
           <p:cNvSpPr txBox="1"/>
           <p:nvPr/>
         </p:nvSpPr>
@@ -10699,12 +11590,12 @@
 </p:sld>
 </file>
 
-<file path=ppt/slides/slide21.xml><?xml version="1.0" encoding="utf-8"?>
+<file path=ppt/slides/slide24.xml><?xml version="1.0" encoding="utf-8"?>
 <p:sld xmlns:a="http://schemas.openxmlformats.org/drawingml/2006/main" xmlns:r="http://schemas.openxmlformats.org/officeDocument/2006/relationships" xmlns:mc="http://schemas.openxmlformats.org/markup-compatibility/2006" xmlns:mv="urn:schemas-microsoft-com:mac:vml" xmlns:p="http://schemas.openxmlformats.org/presentationml/2006/main" xmlns:c="http://schemas.openxmlformats.org/drawingml/2006/chart" xmlns:dgm="http://schemas.openxmlformats.org/drawingml/2006/diagram" xmlns:o="urn:schemas-microsoft-com:office:office" xmlns:v="urn:schemas-microsoft-com:vml" xmlns:pvml="urn:schemas-microsoft-com:office:powerpoint" xmlns:com="http://schemas.openxmlformats.org/drawingml/2006/compatibility" xmlns:p14="http://schemas.microsoft.com/office/powerpoint/2010/main" xmlns:p15="http://schemas.microsoft.com/office/powerpoint/2012/main">
   <p:cSld>
     <p:spTree>
       <p:nvGrpSpPr>
-        <p:cNvPr id="206" name="Shape 206"/>
+        <p:cNvPr id="225" name="Shape 225"/>
         <p:cNvGrpSpPr/>
         <p:nvPr/>
       </p:nvGrpSpPr>
@@ -10718,7 +11609,7 @@
       </p:grpSpPr>
       <p:pic>
         <p:nvPicPr>
-          <p:cNvPr id="207" name="Google Shape;207;p33"/>
+          <p:cNvPr id="226" name="Google Shape;226;p36"/>
           <p:cNvPicPr preferRelativeResize="0"/>
           <p:nvPr/>
         </p:nvPicPr>
@@ -10746,7 +11637,7 @@
       </p:pic>
       <p:graphicFrame>
         <p:nvGraphicFramePr>
-          <p:cNvPr id="208" name="Google Shape;208;p33"/>
+          <p:cNvPr id="227" name="Google Shape;227;p36"/>
           <p:cNvGraphicFramePr/>
           <p:nvPr/>
         </p:nvGraphicFramePr>
@@ -10759,7 +11650,7 @@
             <a:tbl>
               <a:tblPr>
                 <a:noFill/>
-                <a:tableStyleId>{349EAC9B-E254-49A0-9D9F-57D4EA06EF5F}</a:tableStyleId>
+                <a:tableStyleId>{069582A4-B1DA-4EE5-8480-79ACDFF790AA}</a:tableStyleId>
               </a:tblPr>
               <a:tblGrid>
                 <a:gridCol w="1720800"/>
@@ -11067,7 +11958,7 @@
       </p:graphicFrame>
       <p:sp>
         <p:nvSpPr>
-          <p:cNvPr id="209" name="Google Shape;209;p33"/>
+          <p:cNvPr id="228" name="Google Shape;228;p36"/>
           <p:cNvSpPr txBox="1"/>
           <p:nvPr/>
         </p:nvSpPr>
@@ -11109,7 +12000,7 @@
       </p:sp>
       <p:sp>
         <p:nvSpPr>
-          <p:cNvPr id="210" name="Google Shape;210;p33"/>
+          <p:cNvPr id="229" name="Google Shape;229;p36"/>
           <p:cNvSpPr txBox="1"/>
           <p:nvPr>
             <p:ph type="title"/>
@@ -11149,7 +12040,7 @@
       </p:sp>
       <p:sp>
         <p:nvSpPr>
-          <p:cNvPr id="211" name="Google Shape;211;p33"/>
+          <p:cNvPr id="230" name="Google Shape;230;p36"/>
           <p:cNvSpPr txBox="1"/>
           <p:nvPr/>
         </p:nvSpPr>
@@ -11233,12 +12124,12 @@
 </p:sld>
 </file>
 
-<file path=ppt/slides/slide22.xml><?xml version="1.0" encoding="utf-8"?>
+<file path=ppt/slides/slide25.xml><?xml version="1.0" encoding="utf-8"?>
 <p:sld xmlns:a="http://schemas.openxmlformats.org/drawingml/2006/main" xmlns:r="http://schemas.openxmlformats.org/officeDocument/2006/relationships" xmlns:mc="http://schemas.openxmlformats.org/markup-compatibility/2006" xmlns:mv="urn:schemas-microsoft-com:mac:vml" xmlns:p="http://schemas.openxmlformats.org/presentationml/2006/main" xmlns:c="http://schemas.openxmlformats.org/drawingml/2006/chart" xmlns:dgm="http://schemas.openxmlformats.org/drawingml/2006/diagram" xmlns:o="urn:schemas-microsoft-com:office:office" xmlns:v="urn:schemas-microsoft-com:vml" xmlns:pvml="urn:schemas-microsoft-com:office:powerpoint" xmlns:com="http://schemas.openxmlformats.org/drawingml/2006/compatibility" xmlns:p14="http://schemas.microsoft.com/office/powerpoint/2010/main" xmlns:p15="http://schemas.microsoft.com/office/powerpoint/2012/main">
   <p:cSld>
     <p:spTree>
       <p:nvGrpSpPr>
-        <p:cNvPr id="215" name="Shape 215"/>
+        <p:cNvPr id="234" name="Shape 234"/>
         <p:cNvGrpSpPr/>
         <p:nvPr/>
       </p:nvGrpSpPr>
@@ -11252,7 +12143,7 @@
       </p:grpSpPr>
       <p:sp>
         <p:nvSpPr>
-          <p:cNvPr id="216" name="Google Shape;216;p34"/>
+          <p:cNvPr id="235" name="Google Shape;235;p37"/>
           <p:cNvSpPr txBox="1"/>
           <p:nvPr>
             <p:ph type="title"/>
@@ -11292,7 +12183,7 @@
       </p:sp>
       <p:sp>
         <p:nvSpPr>
-          <p:cNvPr id="217" name="Google Shape;217;p34"/>
+          <p:cNvPr id="236" name="Google Shape;236;p37"/>
           <p:cNvSpPr txBox="1"/>
           <p:nvPr/>
         </p:nvSpPr>
@@ -11359,7 +12250,7 @@
       </p:sp>
       <p:pic>
         <p:nvPicPr>
-          <p:cNvPr id="218" name="Google Shape;218;p34"/>
+          <p:cNvPr id="237" name="Google Shape;237;p37"/>
           <p:cNvPicPr preferRelativeResize="0"/>
           <p:nvPr/>
         </p:nvPicPr>
@@ -11393,12 +12284,77 @@
 </p:sld>
 </file>
 
-<file path=ppt/slides/slide23.xml><?xml version="1.0" encoding="utf-8"?>
+<file path=ppt/slides/slide26.xml><?xml version="1.0" encoding="utf-8"?>
 <p:sld xmlns:a="http://schemas.openxmlformats.org/drawingml/2006/main" xmlns:r="http://schemas.openxmlformats.org/officeDocument/2006/relationships" xmlns:mc="http://schemas.openxmlformats.org/markup-compatibility/2006" xmlns:mv="urn:schemas-microsoft-com:mac:vml" xmlns:p="http://schemas.openxmlformats.org/presentationml/2006/main" xmlns:c="http://schemas.openxmlformats.org/drawingml/2006/chart" xmlns:dgm="http://schemas.openxmlformats.org/drawingml/2006/diagram" xmlns:o="urn:schemas-microsoft-com:office:office" xmlns:v="urn:schemas-microsoft-com:vml" xmlns:pvml="urn:schemas-microsoft-com:office:powerpoint" xmlns:com="http://schemas.openxmlformats.org/drawingml/2006/compatibility" xmlns:p14="http://schemas.microsoft.com/office/powerpoint/2010/main" xmlns:p15="http://schemas.microsoft.com/office/powerpoint/2012/main">
   <p:cSld>
     <p:spTree>
       <p:nvGrpSpPr>
-        <p:cNvPr id="222" name="Shape 222"/>
+        <p:cNvPr id="241" name="Shape 241"/>
+        <p:cNvGrpSpPr/>
+        <p:nvPr/>
+      </p:nvGrpSpPr>
+      <p:grpSpPr>
+        <a:xfrm>
+          <a:off x="0" y="0"/>
+          <a:ext cx="0" cy="0"/>
+          <a:chOff x="0" y="0"/>
+          <a:chExt cx="0" cy="0"/>
+        </a:xfrm>
+      </p:grpSpPr>
+      <p:sp>
+        <p:nvSpPr>
+          <p:cNvPr id="242" name="Google Shape;242;p38"/>
+          <p:cNvSpPr txBox="1"/>
+          <p:nvPr>
+            <p:ph type="ctrTitle"/>
+          </p:nvPr>
+        </p:nvSpPr>
+        <p:spPr>
+          <a:xfrm>
+            <a:off x="311708" y="744575"/>
+            <a:ext cx="8520600" cy="2052600"/>
+          </a:xfrm>
+          <a:prstGeom prst="rect">
+            <a:avLst/>
+          </a:prstGeom>
+        </p:spPr>
+        <p:txBody>
+          <a:bodyPr anchorCtr="0" anchor="b" bIns="91425" lIns="91425" spcFirstLastPara="1" rIns="91425" wrap="square" tIns="91425">
+            <a:noAutofit/>
+          </a:bodyPr>
+          <a:lstStyle/>
+          <a:p>
+            <a:pPr indent="0" lvl="0" marL="0" rtl="0" algn="ctr">
+              <a:spcBef>
+                <a:spcPts val="0"/>
+              </a:spcBef>
+              <a:spcAft>
+                <a:spcPts val="0"/>
+              </a:spcAft>
+              <a:buNone/>
+            </a:pPr>
+            <a:r>
+              <a:rPr lang="en"/>
+              <a:t>Analysis by Movie Duration</a:t>
+            </a:r>
+            <a:endParaRPr/>
+          </a:p>
+        </p:txBody>
+      </p:sp>
+    </p:spTree>
+  </p:cSld>
+  <p:clrMapOvr>
+    <a:masterClrMapping/>
+  </p:clrMapOvr>
+</p:sld>
+</file>
+
+<file path=ppt/slides/slide27.xml><?xml version="1.0" encoding="utf-8"?>
+<p:sld xmlns:a="http://schemas.openxmlformats.org/drawingml/2006/main" xmlns:r="http://schemas.openxmlformats.org/officeDocument/2006/relationships" xmlns:mc="http://schemas.openxmlformats.org/markup-compatibility/2006" xmlns:mv="urn:schemas-microsoft-com:mac:vml" xmlns:p="http://schemas.openxmlformats.org/presentationml/2006/main" xmlns:c="http://schemas.openxmlformats.org/drawingml/2006/chart" xmlns:dgm="http://schemas.openxmlformats.org/drawingml/2006/diagram" xmlns:o="urn:schemas-microsoft-com:office:office" xmlns:v="urn:schemas-microsoft-com:vml" xmlns:pvml="urn:schemas-microsoft-com:office:powerpoint" xmlns:com="http://schemas.openxmlformats.org/drawingml/2006/compatibility" xmlns:p14="http://schemas.microsoft.com/office/powerpoint/2010/main" xmlns:p15="http://schemas.microsoft.com/office/powerpoint/2012/main">
+  <p:cSld>
+    <p:spTree>
+      <p:nvGrpSpPr>
+        <p:cNvPr id="246" name="Shape 246"/>
         <p:cNvGrpSpPr/>
         <p:nvPr/>
       </p:nvGrpSpPr>
@@ -11412,7 +12368,7 @@
       </p:grpSpPr>
       <p:pic>
         <p:nvPicPr>
-          <p:cNvPr id="223" name="Google Shape;223;p35"/>
+          <p:cNvPr id="247" name="Google Shape;247;p39"/>
           <p:cNvPicPr preferRelativeResize="0"/>
           <p:nvPr/>
         </p:nvPicPr>
@@ -11440,7 +12396,7 @@
       </p:pic>
       <p:sp>
         <p:nvSpPr>
-          <p:cNvPr id="224" name="Google Shape;224;p35"/>
+          <p:cNvPr id="248" name="Google Shape;248;p39"/>
           <p:cNvSpPr txBox="1"/>
           <p:nvPr>
             <p:ph type="title"/>
@@ -11480,7 +12436,7 @@
       </p:sp>
       <p:sp>
         <p:nvSpPr>
-          <p:cNvPr id="225" name="Google Shape;225;p35"/>
+          <p:cNvPr id="249" name="Google Shape;249;p39"/>
           <p:cNvSpPr txBox="1"/>
           <p:nvPr/>
         </p:nvSpPr>
@@ -11553,12 +12509,12 @@
 </p:sld>
 </file>
 
-<file path=ppt/slides/slide24.xml><?xml version="1.0" encoding="utf-8"?>
+<file path=ppt/slides/slide28.xml><?xml version="1.0" encoding="utf-8"?>
 <p:sld xmlns:a="http://schemas.openxmlformats.org/drawingml/2006/main" xmlns:r="http://schemas.openxmlformats.org/officeDocument/2006/relationships" xmlns:mc="http://schemas.openxmlformats.org/markup-compatibility/2006" xmlns:mv="urn:schemas-microsoft-com:mac:vml" xmlns:p="http://schemas.openxmlformats.org/presentationml/2006/main" xmlns:c="http://schemas.openxmlformats.org/drawingml/2006/chart" xmlns:dgm="http://schemas.openxmlformats.org/drawingml/2006/diagram" xmlns:o="urn:schemas-microsoft-com:office:office" xmlns:v="urn:schemas-microsoft-com:vml" xmlns:pvml="urn:schemas-microsoft-com:office:powerpoint" xmlns:com="http://schemas.openxmlformats.org/drawingml/2006/compatibility" xmlns:p14="http://schemas.microsoft.com/office/powerpoint/2010/main" xmlns:p15="http://schemas.microsoft.com/office/powerpoint/2012/main">
   <p:cSld>
     <p:spTree>
       <p:nvGrpSpPr>
-        <p:cNvPr id="229" name="Shape 229"/>
+        <p:cNvPr id="253" name="Shape 253"/>
         <p:cNvGrpSpPr/>
         <p:nvPr/>
       </p:nvGrpSpPr>
@@ -11572,7 +12528,7 @@
       </p:grpSpPr>
       <p:sp>
         <p:nvSpPr>
-          <p:cNvPr id="230" name="Google Shape;230;p36"/>
+          <p:cNvPr id="254" name="Google Shape;254;p40"/>
           <p:cNvSpPr txBox="1"/>
           <p:nvPr/>
         </p:nvSpPr>
@@ -11639,7 +12595,7 @@
       </p:sp>
       <p:pic>
         <p:nvPicPr>
-          <p:cNvPr id="231" name="Google Shape;231;p36"/>
+          <p:cNvPr id="255" name="Google Shape;255;p40"/>
           <p:cNvPicPr preferRelativeResize="0"/>
           <p:nvPr/>
         </p:nvPicPr>
@@ -11667,7 +12623,7 @@
       </p:pic>
       <p:pic>
         <p:nvPicPr>
-          <p:cNvPr id="232" name="Google Shape;232;p36"/>
+          <p:cNvPr id="256" name="Google Shape;256;p40"/>
           <p:cNvPicPr preferRelativeResize="0"/>
           <p:nvPr/>
         </p:nvPicPr>
@@ -11701,12 +12657,12 @@
 </p:sld>
 </file>
 
-<file path=ppt/slides/slide25.xml><?xml version="1.0" encoding="utf-8"?>
+<file path=ppt/slides/slide29.xml><?xml version="1.0" encoding="utf-8"?>
 <p:sld xmlns:a="http://schemas.openxmlformats.org/drawingml/2006/main" xmlns:r="http://schemas.openxmlformats.org/officeDocument/2006/relationships" xmlns:mc="http://schemas.openxmlformats.org/markup-compatibility/2006" xmlns:mv="urn:schemas-microsoft-com:mac:vml" xmlns:p="http://schemas.openxmlformats.org/presentationml/2006/main" xmlns:c="http://schemas.openxmlformats.org/drawingml/2006/chart" xmlns:dgm="http://schemas.openxmlformats.org/drawingml/2006/diagram" xmlns:o="urn:schemas-microsoft-com:office:office" xmlns:v="urn:schemas-microsoft-com:vml" xmlns:pvml="urn:schemas-microsoft-com:office:powerpoint" xmlns:com="http://schemas.openxmlformats.org/drawingml/2006/compatibility" xmlns:p14="http://schemas.microsoft.com/office/powerpoint/2010/main" xmlns:p15="http://schemas.microsoft.com/office/powerpoint/2012/main">
   <p:cSld>
     <p:spTree>
       <p:nvGrpSpPr>
-        <p:cNvPr id="236" name="Shape 236"/>
+        <p:cNvPr id="260" name="Shape 260"/>
         <p:cNvGrpSpPr/>
         <p:nvPr/>
       </p:nvGrpSpPr>
@@ -11720,7 +12676,7 @@
       </p:grpSpPr>
       <p:sp>
         <p:nvSpPr>
-          <p:cNvPr id="237" name="Google Shape;237;p37"/>
+          <p:cNvPr id="261" name="Google Shape;261;p41"/>
           <p:cNvSpPr txBox="1"/>
           <p:nvPr>
             <p:ph type="title"/>
@@ -11760,7 +12716,7 @@
       </p:sp>
       <p:sp>
         <p:nvSpPr>
-          <p:cNvPr id="238" name="Google Shape;238;p37"/>
+          <p:cNvPr id="262" name="Google Shape;262;p41"/>
           <p:cNvSpPr txBox="1"/>
           <p:nvPr/>
         </p:nvSpPr>
@@ -11981,7 +12937,7 @@
   <p:cSld>
     <p:spTree>
       <p:nvGrpSpPr>
-        <p:cNvPr id="66" name="Shape 66"/>
+        <p:cNvPr id="70" name="Shape 70"/>
         <p:cNvGrpSpPr/>
         <p:nvPr/>
       </p:nvGrpSpPr>
@@ -11995,23 +12951,23 @@
       </p:grpSpPr>
       <p:sp>
         <p:nvSpPr>
-          <p:cNvPr id="67" name="Google Shape;67;p15"/>
+          <p:cNvPr id="71" name="Google Shape;71;p15"/>
           <p:cNvSpPr txBox="1"/>
           <p:nvPr>
-            <p:ph idx="4294967295" type="title"/>
+            <p:ph type="ctrTitle"/>
           </p:nvPr>
         </p:nvSpPr>
         <p:spPr>
           <a:xfrm>
-            <a:off x="416325" y="168200"/>
-            <a:ext cx="8467800" cy="449700"/>
+            <a:off x="311708" y="744575"/>
+            <a:ext cx="8520600" cy="2052600"/>
           </a:xfrm>
           <a:prstGeom prst="rect">
             <a:avLst/>
           </a:prstGeom>
         </p:spPr>
         <p:txBody>
-          <a:bodyPr anchorCtr="0" anchor="t" bIns="91425" lIns="91425" spcFirstLastPara="1" rIns="91425" wrap="square" tIns="91425">
+          <a:bodyPr anchorCtr="0" anchor="b" bIns="91425" lIns="91425" spcFirstLastPara="1" rIns="91425" wrap="square" tIns="91425">
             <a:noAutofit/>
           </a:bodyPr>
           <a:lstStyle/>
@@ -12026,172 +12982,10 @@
               <a:buNone/>
             </a:pPr>
             <a:r>
-              <a:rPr b="1" i="1" lang="en" sz="1800"/>
-              <a:t>What is the impact of Genre count on Revenue, Ratings and Metascore ?</a:t>
+              <a:rPr lang="en"/>
+              <a:t>Analysis by Genre</a:t>
             </a:r>
-            <a:endParaRPr b="1" i="1" sz="1800"/>
-          </a:p>
-        </p:txBody>
-      </p:sp>
-      <p:sp>
-        <p:nvSpPr>
-          <p:cNvPr id="68" name="Google Shape;68;p15"/>
-          <p:cNvSpPr txBox="1"/>
-          <p:nvPr/>
-        </p:nvSpPr>
-        <p:spPr>
-          <a:xfrm>
-            <a:off x="241725" y="4108375"/>
-            <a:ext cx="8830200" cy="856500"/>
-          </a:xfrm>
-          <a:prstGeom prst="rect">
-            <a:avLst/>
-          </a:prstGeom>
-          <a:noFill/>
-          <a:ln>
-            <a:noFill/>
-          </a:ln>
-        </p:spPr>
-        <p:txBody>
-          <a:bodyPr anchorCtr="0" anchor="t" bIns="91425" lIns="91425" spcFirstLastPara="1" rIns="91425" wrap="square" tIns="91425">
-            <a:noAutofit/>
-          </a:bodyPr>
-          <a:lstStyle/>
-          <a:p>
-            <a:pPr indent="0" lvl="0" marL="0" rtl="0" algn="l">
-              <a:spcBef>
-                <a:spcPts val="0"/>
-              </a:spcBef>
-              <a:spcAft>
-                <a:spcPts val="0"/>
-              </a:spcAft>
-              <a:buNone/>
-            </a:pPr>
-            <a:r>
-              <a:rPr b="1" i="1" lang="en" sz="1800">
-                <a:solidFill>
-                  <a:schemeClr val="dk1"/>
-                </a:solidFill>
-                <a:highlight>
-                  <a:srgbClr val="FFF2CC"/>
-                </a:highlight>
-              </a:rPr>
-              <a:t>Observation :</a:t>
-            </a:r>
-            <a:r>
-              <a:rPr i="1" lang="en" sz="1800">
-                <a:solidFill>
-                  <a:schemeClr val="dk1"/>
-                </a:solidFill>
-                <a:highlight>
-                  <a:srgbClr val="FFF2CC"/>
-                </a:highlight>
-              </a:rPr>
-              <a:t> If movies have more than 1 or 2 Genre count then the revenue is doubled. Ratings and Metascores are also increased but not much significant </a:t>
-            </a:r>
-            <a:endParaRPr i="1" sz="1800">
-              <a:highlight>
-                <a:srgbClr val="FFF2CC"/>
-              </a:highlight>
-            </a:endParaRPr>
-          </a:p>
-        </p:txBody>
-      </p:sp>
-      <p:pic>
-        <p:nvPicPr>
-          <p:cNvPr id="69" name="Google Shape;69;p15"/>
-          <p:cNvPicPr preferRelativeResize="0"/>
-          <p:nvPr/>
-        </p:nvPicPr>
-        <p:blipFill>
-          <a:blip r:embed="rId3">
-            <a:alphaModFix/>
-          </a:blip>
-          <a:stretch>
-            <a:fillRect/>
-          </a:stretch>
-        </p:blipFill>
-        <p:spPr>
-          <a:xfrm>
-            <a:off x="5528525" y="1101225"/>
-            <a:ext cx="3543450" cy="1599475"/>
-          </a:xfrm>
-          <a:prstGeom prst="rect">
-            <a:avLst/>
-          </a:prstGeom>
-          <a:noFill/>
-          <a:ln>
-            <a:noFill/>
-          </a:ln>
-        </p:spPr>
-      </p:pic>
-      <p:pic>
-        <p:nvPicPr>
-          <p:cNvPr id="70" name="Google Shape;70;p15"/>
-          <p:cNvPicPr preferRelativeResize="0"/>
-          <p:nvPr/>
-        </p:nvPicPr>
-        <p:blipFill>
-          <a:blip r:embed="rId4">
-            <a:alphaModFix/>
-          </a:blip>
-          <a:stretch>
-            <a:fillRect/>
-          </a:stretch>
-        </p:blipFill>
-        <p:spPr>
-          <a:xfrm>
-            <a:off x="67150" y="708699"/>
-            <a:ext cx="5461375" cy="3252999"/>
-          </a:xfrm>
-          <a:prstGeom prst="rect">
-            <a:avLst/>
-          </a:prstGeom>
-          <a:noFill/>
-          <a:ln>
-            <a:noFill/>
-          </a:ln>
-        </p:spPr>
-      </p:pic>
-      <p:sp>
-        <p:nvSpPr>
-          <p:cNvPr id="71" name="Google Shape;71;p15"/>
-          <p:cNvSpPr txBox="1"/>
-          <p:nvPr/>
-        </p:nvSpPr>
-        <p:spPr>
-          <a:xfrm>
-            <a:off x="6432250" y="2700700"/>
-            <a:ext cx="3163800" cy="449700"/>
-          </a:xfrm>
-          <a:prstGeom prst="rect">
-            <a:avLst/>
-          </a:prstGeom>
-          <a:noFill/>
-          <a:ln>
-            <a:noFill/>
-          </a:ln>
-        </p:spPr>
-        <p:txBody>
-          <a:bodyPr anchorCtr="0" anchor="t" bIns="91425" lIns="91425" spcFirstLastPara="1" rIns="91425" wrap="square" tIns="91425">
-            <a:noAutofit/>
-          </a:bodyPr>
-          <a:lstStyle/>
-          <a:p>
-            <a:pPr indent="0" lvl="0" marL="0" rtl="0" algn="l">
-              <a:spcBef>
-                <a:spcPts val="0"/>
-              </a:spcBef>
-              <a:spcAft>
-                <a:spcPts val="0"/>
-              </a:spcAft>
-              <a:buNone/>
-            </a:pPr>
-            <a:r>
-              <a:rPr i="1" lang="en"/>
-              <a:t>Above are all mean values</a:t>
-            </a:r>
-            <a:endParaRPr i="1"/>
+            <a:endParaRPr/>
           </a:p>
         </p:txBody>
       </p:sp>
@@ -12230,6 +13024,233 @@
         </p:nvSpPr>
         <p:spPr>
           <a:xfrm>
+            <a:off x="416325" y="168200"/>
+            <a:ext cx="8467800" cy="449700"/>
+          </a:xfrm>
+          <a:prstGeom prst="rect">
+            <a:avLst/>
+          </a:prstGeom>
+        </p:spPr>
+        <p:txBody>
+          <a:bodyPr anchorCtr="0" anchor="t" bIns="91425" lIns="91425" spcFirstLastPara="1" rIns="91425" wrap="square" tIns="91425">
+            <a:noAutofit/>
+          </a:bodyPr>
+          <a:lstStyle/>
+          <a:p>
+            <a:pPr indent="0" lvl="0" marL="0" rtl="0" algn="ctr">
+              <a:spcBef>
+                <a:spcPts val="0"/>
+              </a:spcBef>
+              <a:spcAft>
+                <a:spcPts val="0"/>
+              </a:spcAft>
+              <a:buNone/>
+            </a:pPr>
+            <a:r>
+              <a:rPr b="1" i="1" lang="en" sz="1800"/>
+              <a:t>What is the impact of Genre count on Revenue, Ratings and Metascore ?</a:t>
+            </a:r>
+            <a:endParaRPr b="1" i="1" sz="1800"/>
+          </a:p>
+        </p:txBody>
+      </p:sp>
+      <p:sp>
+        <p:nvSpPr>
+          <p:cNvPr id="77" name="Google Shape;77;p16"/>
+          <p:cNvSpPr txBox="1"/>
+          <p:nvPr/>
+        </p:nvSpPr>
+        <p:spPr>
+          <a:xfrm>
+            <a:off x="241725" y="4108375"/>
+            <a:ext cx="8830200" cy="856500"/>
+          </a:xfrm>
+          <a:prstGeom prst="rect">
+            <a:avLst/>
+          </a:prstGeom>
+          <a:noFill/>
+          <a:ln>
+            <a:noFill/>
+          </a:ln>
+        </p:spPr>
+        <p:txBody>
+          <a:bodyPr anchorCtr="0" anchor="t" bIns="91425" lIns="91425" spcFirstLastPara="1" rIns="91425" wrap="square" tIns="91425">
+            <a:noAutofit/>
+          </a:bodyPr>
+          <a:lstStyle/>
+          <a:p>
+            <a:pPr indent="0" lvl="0" marL="0" rtl="0" algn="l">
+              <a:spcBef>
+                <a:spcPts val="0"/>
+              </a:spcBef>
+              <a:spcAft>
+                <a:spcPts val="0"/>
+              </a:spcAft>
+              <a:buNone/>
+            </a:pPr>
+            <a:r>
+              <a:rPr b="1" i="1" lang="en" sz="1800">
+                <a:solidFill>
+                  <a:schemeClr val="dk1"/>
+                </a:solidFill>
+                <a:highlight>
+                  <a:srgbClr val="FFF2CC"/>
+                </a:highlight>
+              </a:rPr>
+              <a:t>Observation :</a:t>
+            </a:r>
+            <a:r>
+              <a:rPr i="1" lang="en" sz="1800">
+                <a:solidFill>
+                  <a:schemeClr val="dk1"/>
+                </a:solidFill>
+                <a:highlight>
+                  <a:srgbClr val="FFF2CC"/>
+                </a:highlight>
+              </a:rPr>
+              <a:t> If movies have 3 Genre count then the revenue is doubled. Ratings and Metascores are also increased but not much significant </a:t>
+            </a:r>
+            <a:endParaRPr i="1" sz="1800">
+              <a:highlight>
+                <a:srgbClr val="FFF2CC"/>
+              </a:highlight>
+            </a:endParaRPr>
+          </a:p>
+        </p:txBody>
+      </p:sp>
+      <p:pic>
+        <p:nvPicPr>
+          <p:cNvPr id="78" name="Google Shape;78;p16"/>
+          <p:cNvPicPr preferRelativeResize="0"/>
+          <p:nvPr/>
+        </p:nvPicPr>
+        <p:blipFill>
+          <a:blip r:embed="rId3">
+            <a:alphaModFix/>
+          </a:blip>
+          <a:stretch>
+            <a:fillRect/>
+          </a:stretch>
+        </p:blipFill>
+        <p:spPr>
+          <a:xfrm>
+            <a:off x="5528525" y="1101225"/>
+            <a:ext cx="3543450" cy="1599475"/>
+          </a:xfrm>
+          <a:prstGeom prst="rect">
+            <a:avLst/>
+          </a:prstGeom>
+          <a:noFill/>
+          <a:ln>
+            <a:noFill/>
+          </a:ln>
+        </p:spPr>
+      </p:pic>
+      <p:pic>
+        <p:nvPicPr>
+          <p:cNvPr id="79" name="Google Shape;79;p16"/>
+          <p:cNvPicPr preferRelativeResize="0"/>
+          <p:nvPr/>
+        </p:nvPicPr>
+        <p:blipFill>
+          <a:blip r:embed="rId4">
+            <a:alphaModFix/>
+          </a:blip>
+          <a:stretch>
+            <a:fillRect/>
+          </a:stretch>
+        </p:blipFill>
+        <p:spPr>
+          <a:xfrm>
+            <a:off x="67150" y="708699"/>
+            <a:ext cx="5461375" cy="3252999"/>
+          </a:xfrm>
+          <a:prstGeom prst="rect">
+            <a:avLst/>
+          </a:prstGeom>
+          <a:noFill/>
+          <a:ln>
+            <a:noFill/>
+          </a:ln>
+        </p:spPr>
+      </p:pic>
+      <p:sp>
+        <p:nvSpPr>
+          <p:cNvPr id="80" name="Google Shape;80;p16"/>
+          <p:cNvSpPr txBox="1"/>
+          <p:nvPr/>
+        </p:nvSpPr>
+        <p:spPr>
+          <a:xfrm>
+            <a:off x="6432250" y="2700700"/>
+            <a:ext cx="3163800" cy="449700"/>
+          </a:xfrm>
+          <a:prstGeom prst="rect">
+            <a:avLst/>
+          </a:prstGeom>
+          <a:noFill/>
+          <a:ln>
+            <a:noFill/>
+          </a:ln>
+        </p:spPr>
+        <p:txBody>
+          <a:bodyPr anchorCtr="0" anchor="t" bIns="91425" lIns="91425" spcFirstLastPara="1" rIns="91425" wrap="square" tIns="91425">
+            <a:noAutofit/>
+          </a:bodyPr>
+          <a:lstStyle/>
+          <a:p>
+            <a:pPr indent="0" lvl="0" marL="0" rtl="0" algn="l">
+              <a:spcBef>
+                <a:spcPts val="0"/>
+              </a:spcBef>
+              <a:spcAft>
+                <a:spcPts val="0"/>
+              </a:spcAft>
+              <a:buNone/>
+            </a:pPr>
+            <a:r>
+              <a:rPr i="1" lang="en"/>
+              <a:t>Above are all mean values</a:t>
+            </a:r>
+            <a:endParaRPr i="1"/>
+          </a:p>
+        </p:txBody>
+      </p:sp>
+    </p:spTree>
+  </p:cSld>
+  <p:clrMapOvr>
+    <a:masterClrMapping/>
+  </p:clrMapOvr>
+</p:sld>
+</file>
+
+<file path=ppt/slides/slide5.xml><?xml version="1.0" encoding="utf-8"?>
+<p:sld xmlns:a="http://schemas.openxmlformats.org/drawingml/2006/main" xmlns:r="http://schemas.openxmlformats.org/officeDocument/2006/relationships" xmlns:mc="http://schemas.openxmlformats.org/markup-compatibility/2006" xmlns:mv="urn:schemas-microsoft-com:mac:vml" xmlns:p="http://schemas.openxmlformats.org/presentationml/2006/main" xmlns:c="http://schemas.openxmlformats.org/drawingml/2006/chart" xmlns:dgm="http://schemas.openxmlformats.org/drawingml/2006/diagram" xmlns:o="urn:schemas-microsoft-com:office:office" xmlns:v="urn:schemas-microsoft-com:vml" xmlns:pvml="urn:schemas-microsoft-com:office:powerpoint" xmlns:com="http://schemas.openxmlformats.org/drawingml/2006/compatibility" xmlns:p14="http://schemas.microsoft.com/office/powerpoint/2010/main" xmlns:p15="http://schemas.microsoft.com/office/powerpoint/2012/main">
+  <p:cSld>
+    <p:spTree>
+      <p:nvGrpSpPr>
+        <p:cNvPr id="84" name="Shape 84"/>
+        <p:cNvGrpSpPr/>
+        <p:nvPr/>
+      </p:nvGrpSpPr>
+      <p:grpSpPr>
+        <a:xfrm>
+          <a:off x="0" y="0"/>
+          <a:ext cx="0" cy="0"/>
+          <a:chOff x="0" y="0"/>
+          <a:chExt cx="0" cy="0"/>
+        </a:xfrm>
+      </p:grpSpPr>
+      <p:sp>
+        <p:nvSpPr>
+          <p:cNvPr id="85" name="Google Shape;85;p17"/>
+          <p:cNvSpPr txBox="1"/>
+          <p:nvPr>
+            <p:ph idx="4294967295" type="title"/>
+          </p:nvPr>
+        </p:nvSpPr>
+        <p:spPr>
+          <a:xfrm>
             <a:off x="-1488675" y="15800"/>
             <a:ext cx="8467800" cy="449700"/>
           </a:xfrm>
@@ -12262,7 +13283,7 @@
       </p:sp>
       <p:sp>
         <p:nvSpPr>
-          <p:cNvPr id="77" name="Google Shape;77;p16"/>
+          <p:cNvPr id="86" name="Google Shape;86;p17"/>
           <p:cNvSpPr txBox="1"/>
           <p:nvPr/>
         </p:nvSpPr>
@@ -12340,7 +13361,7 @@
       </p:sp>
       <p:pic>
         <p:nvPicPr>
-          <p:cNvPr id="78" name="Google Shape;78;p16"/>
+          <p:cNvPr id="87" name="Google Shape;87;p17"/>
           <p:cNvPicPr preferRelativeResize="0"/>
           <p:nvPr/>
         </p:nvPicPr>
@@ -12368,7 +13389,7 @@
       </p:pic>
       <p:pic>
         <p:nvPicPr>
-          <p:cNvPr id="79" name="Google Shape;79;p16"/>
+          <p:cNvPr id="88" name="Google Shape;88;p17"/>
           <p:cNvPicPr preferRelativeResize="0"/>
           <p:nvPr/>
         </p:nvPicPr>
@@ -12402,12 +13423,12 @@
 </p:sld>
 </file>
 
-<file path=ppt/slides/slide5.xml><?xml version="1.0" encoding="utf-8"?>
+<file path=ppt/slides/slide6.xml><?xml version="1.0" encoding="utf-8"?>
 <p:sld xmlns:a="http://schemas.openxmlformats.org/drawingml/2006/main" xmlns:r="http://schemas.openxmlformats.org/officeDocument/2006/relationships" xmlns:mc="http://schemas.openxmlformats.org/markup-compatibility/2006" xmlns:mv="urn:schemas-microsoft-com:mac:vml" xmlns:p="http://schemas.openxmlformats.org/presentationml/2006/main" xmlns:c="http://schemas.openxmlformats.org/drawingml/2006/chart" xmlns:dgm="http://schemas.openxmlformats.org/drawingml/2006/diagram" xmlns:o="urn:schemas-microsoft-com:office:office" xmlns:v="urn:schemas-microsoft-com:vml" xmlns:pvml="urn:schemas-microsoft-com:office:powerpoint" xmlns:com="http://schemas.openxmlformats.org/drawingml/2006/compatibility" xmlns:p14="http://schemas.microsoft.com/office/powerpoint/2010/main" xmlns:p15="http://schemas.microsoft.com/office/powerpoint/2012/main">
   <p:cSld>
     <p:spTree>
       <p:nvGrpSpPr>
-        <p:cNvPr id="83" name="Shape 83"/>
+        <p:cNvPr id="92" name="Shape 92"/>
         <p:cNvGrpSpPr/>
         <p:nvPr/>
       </p:nvGrpSpPr>
@@ -12421,7 +13442,7 @@
       </p:grpSpPr>
       <p:sp>
         <p:nvSpPr>
-          <p:cNvPr id="84" name="Google Shape;84;p17"/>
+          <p:cNvPr id="93" name="Google Shape;93;p18"/>
           <p:cNvSpPr txBox="1"/>
           <p:nvPr>
             <p:ph idx="4294967295" type="title"/>
@@ -12461,7 +13482,7 @@
       </p:sp>
       <p:sp>
         <p:nvSpPr>
-          <p:cNvPr id="85" name="Google Shape;85;p17"/>
+          <p:cNvPr id="94" name="Google Shape;94;p18"/>
           <p:cNvSpPr txBox="1"/>
           <p:nvPr/>
         </p:nvSpPr>
@@ -12583,7 +13604,7 @@
       </p:sp>
       <p:pic>
         <p:nvPicPr>
-          <p:cNvPr id="86" name="Google Shape;86;p17"/>
+          <p:cNvPr id="95" name="Google Shape;95;p18"/>
           <p:cNvPicPr preferRelativeResize="0"/>
           <p:nvPr/>
         </p:nvPicPr>
@@ -12611,7 +13632,7 @@
       </p:pic>
       <p:pic>
         <p:nvPicPr>
-          <p:cNvPr id="87" name="Google Shape;87;p17"/>
+          <p:cNvPr id="96" name="Google Shape;96;p18"/>
           <p:cNvPicPr preferRelativeResize="0"/>
           <p:nvPr/>
         </p:nvPicPr>
@@ -12645,12 +13666,12 @@
 </p:sld>
 </file>
 
-<file path=ppt/slides/slide6.xml><?xml version="1.0" encoding="utf-8"?>
+<file path=ppt/slides/slide7.xml><?xml version="1.0" encoding="utf-8"?>
 <p:sld xmlns:a="http://schemas.openxmlformats.org/drawingml/2006/main" xmlns:r="http://schemas.openxmlformats.org/officeDocument/2006/relationships" xmlns:mc="http://schemas.openxmlformats.org/markup-compatibility/2006" xmlns:mv="urn:schemas-microsoft-com:mac:vml" xmlns:p="http://schemas.openxmlformats.org/presentationml/2006/main" xmlns:c="http://schemas.openxmlformats.org/drawingml/2006/chart" xmlns:dgm="http://schemas.openxmlformats.org/drawingml/2006/diagram" xmlns:o="urn:schemas-microsoft-com:office:office" xmlns:v="urn:schemas-microsoft-com:vml" xmlns:pvml="urn:schemas-microsoft-com:office:powerpoint" xmlns:com="http://schemas.openxmlformats.org/drawingml/2006/compatibility" xmlns:p14="http://schemas.microsoft.com/office/powerpoint/2010/main" xmlns:p15="http://schemas.microsoft.com/office/powerpoint/2012/main">
   <p:cSld>
     <p:spTree>
       <p:nvGrpSpPr>
-        <p:cNvPr id="91" name="Shape 91"/>
+        <p:cNvPr id="100" name="Shape 100"/>
         <p:cNvGrpSpPr/>
         <p:nvPr/>
       </p:nvGrpSpPr>
@@ -12664,7 +13685,7 @@
       </p:grpSpPr>
       <p:sp>
         <p:nvSpPr>
-          <p:cNvPr id="92" name="Google Shape;92;p18"/>
+          <p:cNvPr id="101" name="Google Shape;101;p19"/>
           <p:cNvSpPr txBox="1"/>
           <p:nvPr>
             <p:ph idx="4294967295" type="title"/>
@@ -12704,7 +13725,7 @@
       </p:sp>
       <p:sp>
         <p:nvSpPr>
-          <p:cNvPr id="93" name="Google Shape;93;p18"/>
+          <p:cNvPr id="102" name="Google Shape;102;p19"/>
           <p:cNvSpPr txBox="1"/>
           <p:nvPr/>
         </p:nvSpPr>
@@ -12793,7 +13814,7 @@
       </p:sp>
       <p:pic>
         <p:nvPicPr>
-          <p:cNvPr id="94" name="Google Shape;94;p18"/>
+          <p:cNvPr id="103" name="Google Shape;103;p19"/>
           <p:cNvPicPr preferRelativeResize="0"/>
           <p:nvPr/>
         </p:nvPicPr>
@@ -12821,7 +13842,7 @@
       </p:pic>
       <p:pic>
         <p:nvPicPr>
-          <p:cNvPr id="95" name="Google Shape;95;p18"/>
+          <p:cNvPr id="104" name="Google Shape;104;p19"/>
           <p:cNvPicPr preferRelativeResize="0"/>
           <p:nvPr/>
         </p:nvPicPr>
@@ -12855,12 +13876,12 @@
 </p:sld>
 </file>
 
-<file path=ppt/slides/slide7.xml><?xml version="1.0" encoding="utf-8"?>
+<file path=ppt/slides/slide8.xml><?xml version="1.0" encoding="utf-8"?>
 <p:sld xmlns:a="http://schemas.openxmlformats.org/drawingml/2006/main" xmlns:r="http://schemas.openxmlformats.org/officeDocument/2006/relationships" xmlns:mc="http://schemas.openxmlformats.org/markup-compatibility/2006" xmlns:mv="urn:schemas-microsoft-com:mac:vml" xmlns:p="http://schemas.openxmlformats.org/presentationml/2006/main" xmlns:c="http://schemas.openxmlformats.org/drawingml/2006/chart" xmlns:dgm="http://schemas.openxmlformats.org/drawingml/2006/diagram" xmlns:o="urn:schemas-microsoft-com:office:office" xmlns:v="urn:schemas-microsoft-com:vml" xmlns:pvml="urn:schemas-microsoft-com:office:powerpoint" xmlns:com="http://schemas.openxmlformats.org/drawingml/2006/compatibility" xmlns:p14="http://schemas.microsoft.com/office/powerpoint/2010/main" xmlns:p15="http://schemas.microsoft.com/office/powerpoint/2012/main">
   <p:cSld>
     <p:spTree>
       <p:nvGrpSpPr>
-        <p:cNvPr id="99" name="Shape 99"/>
+        <p:cNvPr id="108" name="Shape 108"/>
         <p:cNvGrpSpPr/>
         <p:nvPr/>
       </p:nvGrpSpPr>
@@ -12874,7 +13895,7 @@
       </p:grpSpPr>
       <p:sp>
         <p:nvSpPr>
-          <p:cNvPr id="100" name="Google Shape;100;p19"/>
+          <p:cNvPr id="109" name="Google Shape;109;p20"/>
           <p:cNvSpPr txBox="1"/>
           <p:nvPr>
             <p:ph idx="4294967295" type="title"/>
@@ -12914,7 +13935,7 @@
       </p:sp>
       <p:sp>
         <p:nvSpPr>
-          <p:cNvPr id="101" name="Google Shape;101;p19"/>
+          <p:cNvPr id="110" name="Google Shape;110;p20"/>
           <p:cNvSpPr txBox="1"/>
           <p:nvPr/>
         </p:nvSpPr>
@@ -13047,7 +14068,7 @@
       </p:sp>
       <p:pic>
         <p:nvPicPr>
-          <p:cNvPr id="102" name="Google Shape;102;p19"/>
+          <p:cNvPr id="111" name="Google Shape;111;p20"/>
           <p:cNvPicPr preferRelativeResize="0"/>
           <p:nvPr/>
         </p:nvPicPr>
@@ -13075,7 +14096,7 @@
       </p:pic>
       <p:pic>
         <p:nvPicPr>
-          <p:cNvPr id="103" name="Google Shape;103;p19"/>
+          <p:cNvPr id="112" name="Google Shape;112;p20"/>
           <p:cNvPicPr preferRelativeResize="0"/>
           <p:nvPr/>
         </p:nvPicPr>
@@ -13109,12 +14130,12 @@
 </p:sld>
 </file>
 
-<file path=ppt/slides/slide8.xml><?xml version="1.0" encoding="utf-8"?>
+<file path=ppt/slides/slide9.xml><?xml version="1.0" encoding="utf-8"?>
 <p:sld xmlns:a="http://schemas.openxmlformats.org/drawingml/2006/main" xmlns:r="http://schemas.openxmlformats.org/officeDocument/2006/relationships" xmlns:mc="http://schemas.openxmlformats.org/markup-compatibility/2006" xmlns:mv="urn:schemas-microsoft-com:mac:vml" xmlns:p="http://schemas.openxmlformats.org/presentationml/2006/main" xmlns:c="http://schemas.openxmlformats.org/drawingml/2006/chart" xmlns:dgm="http://schemas.openxmlformats.org/drawingml/2006/diagram" xmlns:o="urn:schemas-microsoft-com:office:office" xmlns:v="urn:schemas-microsoft-com:vml" xmlns:pvml="urn:schemas-microsoft-com:office:powerpoint" xmlns:com="http://schemas.openxmlformats.org/drawingml/2006/compatibility" xmlns:p14="http://schemas.microsoft.com/office/powerpoint/2010/main" xmlns:p15="http://schemas.microsoft.com/office/powerpoint/2012/main">
   <p:cSld>
     <p:spTree>
       <p:nvGrpSpPr>
-        <p:cNvPr id="107" name="Shape 107"/>
+        <p:cNvPr id="116" name="Shape 116"/>
         <p:cNvGrpSpPr/>
         <p:nvPr/>
       </p:nvGrpSpPr>
@@ -13128,7 +14149,7 @@
       </p:grpSpPr>
       <p:sp>
         <p:nvSpPr>
-          <p:cNvPr id="108" name="Google Shape;108;p20"/>
+          <p:cNvPr id="117" name="Google Shape;117;p21"/>
           <p:cNvSpPr txBox="1"/>
           <p:nvPr>
             <p:ph idx="4294967295" type="title"/>
@@ -13168,7 +14189,7 @@
       </p:sp>
       <p:sp>
         <p:nvSpPr>
-          <p:cNvPr id="109" name="Google Shape;109;p20"/>
+          <p:cNvPr id="118" name="Google Shape;118;p21"/>
           <p:cNvSpPr txBox="1"/>
           <p:nvPr/>
         </p:nvSpPr>
@@ -13268,7 +14289,7 @@
       </p:sp>
       <p:pic>
         <p:nvPicPr>
-          <p:cNvPr id="110" name="Google Shape;110;p20"/>
+          <p:cNvPr id="119" name="Google Shape;119;p21"/>
           <p:cNvPicPr preferRelativeResize="0"/>
           <p:nvPr/>
         </p:nvPicPr>
@@ -13296,7 +14317,7 @@
       </p:pic>
       <p:pic>
         <p:nvPicPr>
-          <p:cNvPr id="111" name="Google Shape;111;p20"/>
+          <p:cNvPr id="120" name="Google Shape;120;p21"/>
           <p:cNvPicPr preferRelativeResize="0"/>
           <p:nvPr/>
         </p:nvPicPr>
@@ -13312,213 +14333,6 @@
           <a:xfrm>
             <a:off x="6937725" y="152400"/>
             <a:ext cx="2053875" cy="4679720"/>
-          </a:xfrm>
-          <a:prstGeom prst="rect">
-            <a:avLst/>
-          </a:prstGeom>
-          <a:noFill/>
-          <a:ln>
-            <a:noFill/>
-          </a:ln>
-        </p:spPr>
-      </p:pic>
-    </p:spTree>
-  </p:cSld>
-  <p:clrMapOvr>
-    <a:masterClrMapping/>
-  </p:clrMapOvr>
-</p:sld>
-</file>
-
-<file path=ppt/slides/slide9.xml><?xml version="1.0" encoding="utf-8"?>
-<p:sld xmlns:a="http://schemas.openxmlformats.org/drawingml/2006/main" xmlns:r="http://schemas.openxmlformats.org/officeDocument/2006/relationships" xmlns:mc="http://schemas.openxmlformats.org/markup-compatibility/2006" xmlns:mv="urn:schemas-microsoft-com:mac:vml" xmlns:p="http://schemas.openxmlformats.org/presentationml/2006/main" xmlns:c="http://schemas.openxmlformats.org/drawingml/2006/chart" xmlns:dgm="http://schemas.openxmlformats.org/drawingml/2006/diagram" xmlns:o="urn:schemas-microsoft-com:office:office" xmlns:v="urn:schemas-microsoft-com:vml" xmlns:pvml="urn:schemas-microsoft-com:office:powerpoint" xmlns:com="http://schemas.openxmlformats.org/drawingml/2006/compatibility" xmlns:p14="http://schemas.microsoft.com/office/powerpoint/2010/main" xmlns:p15="http://schemas.microsoft.com/office/powerpoint/2012/main">
-  <p:cSld>
-    <p:spTree>
-      <p:nvGrpSpPr>
-        <p:cNvPr id="115" name="Shape 115"/>
-        <p:cNvGrpSpPr/>
-        <p:nvPr/>
-      </p:nvGrpSpPr>
-      <p:grpSpPr>
-        <a:xfrm>
-          <a:off x="0" y="0"/>
-          <a:ext cx="0" cy="0"/>
-          <a:chOff x="0" y="0"/>
-          <a:chExt cx="0" cy="0"/>
-        </a:xfrm>
-      </p:grpSpPr>
-      <p:pic>
-        <p:nvPicPr>
-          <p:cNvPr id="116" name="Google Shape;116;p21"/>
-          <p:cNvPicPr preferRelativeResize="0"/>
-          <p:nvPr/>
-        </p:nvPicPr>
-        <p:blipFill>
-          <a:blip r:embed="rId3">
-            <a:alphaModFix/>
-          </a:blip>
-          <a:stretch>
-            <a:fillRect/>
-          </a:stretch>
-        </p:blipFill>
-        <p:spPr>
-          <a:xfrm>
-            <a:off x="-362400" y="351700"/>
-            <a:ext cx="7961651" cy="4319775"/>
-          </a:xfrm>
-          <a:prstGeom prst="rect">
-            <a:avLst/>
-          </a:prstGeom>
-          <a:noFill/>
-          <a:ln>
-            <a:noFill/>
-          </a:ln>
-        </p:spPr>
-      </p:pic>
-      <p:sp>
-        <p:nvSpPr>
-          <p:cNvPr id="117" name="Google Shape;117;p21"/>
-          <p:cNvSpPr txBox="1"/>
-          <p:nvPr>
-            <p:ph type="title"/>
-          </p:nvPr>
-        </p:nvSpPr>
-        <p:spPr>
-          <a:xfrm>
-            <a:off x="1462825" y="77000"/>
-            <a:ext cx="5682600" cy="941100"/>
-          </a:xfrm>
-          <a:prstGeom prst="rect">
-            <a:avLst/>
-          </a:prstGeom>
-        </p:spPr>
-        <p:txBody>
-          <a:bodyPr anchorCtr="0" anchor="t" bIns="91425" lIns="91425" spcFirstLastPara="1" rIns="91425" wrap="square" tIns="91425">
-            <a:noAutofit/>
-          </a:bodyPr>
-          <a:lstStyle/>
-          <a:p>
-            <a:pPr indent="0" lvl="0" marL="0" rtl="0" algn="ctr">
-              <a:spcBef>
-                <a:spcPts val="0"/>
-              </a:spcBef>
-              <a:spcAft>
-                <a:spcPts val="0"/>
-              </a:spcAft>
-              <a:buNone/>
-            </a:pPr>
-            <a:r>
-              <a:rPr i="1" lang="en" sz="2000"/>
-              <a:t>Which Genre Movies are most produced ?</a:t>
-            </a:r>
-            <a:endParaRPr i="1" sz="2000"/>
-          </a:p>
-        </p:txBody>
-      </p:sp>
-      <p:sp>
-        <p:nvSpPr>
-          <p:cNvPr id="118" name="Google Shape;118;p21"/>
-          <p:cNvSpPr txBox="1"/>
-          <p:nvPr/>
-        </p:nvSpPr>
-        <p:spPr>
-          <a:xfrm>
-            <a:off x="1355750" y="4766650"/>
-            <a:ext cx="6849600" cy="856500"/>
-          </a:xfrm>
-          <a:prstGeom prst="rect">
-            <a:avLst/>
-          </a:prstGeom>
-          <a:noFill/>
-          <a:ln>
-            <a:noFill/>
-          </a:ln>
-        </p:spPr>
-        <p:txBody>
-          <a:bodyPr anchorCtr="0" anchor="t" bIns="91425" lIns="91425" spcFirstLastPara="1" rIns="91425" wrap="square" tIns="91425">
-            <a:noAutofit/>
-          </a:bodyPr>
-          <a:lstStyle/>
-          <a:p>
-            <a:pPr indent="0" lvl="0" marL="0" rtl="0" algn="l">
-              <a:spcBef>
-                <a:spcPts val="0"/>
-              </a:spcBef>
-              <a:spcAft>
-                <a:spcPts val="0"/>
-              </a:spcAft>
-              <a:buNone/>
-            </a:pPr>
-            <a:r>
-              <a:rPr b="1" i="1" lang="en" sz="1800">
-                <a:solidFill>
-                  <a:schemeClr val="dk1"/>
-                </a:solidFill>
-                <a:highlight>
-                  <a:srgbClr val="FFF2CC"/>
-                </a:highlight>
-              </a:rPr>
-              <a:t>Observation :</a:t>
-            </a:r>
-            <a:r>
-              <a:rPr i="1" lang="en" sz="1800">
-                <a:solidFill>
-                  <a:schemeClr val="dk1"/>
-                </a:solidFill>
-                <a:highlight>
-                  <a:srgbClr val="FFF2CC"/>
-                </a:highlight>
-              </a:rPr>
-              <a:t> ‘</a:t>
-            </a:r>
-            <a:r>
-              <a:rPr b="1" i="1" lang="en" sz="1800">
-                <a:solidFill>
-                  <a:schemeClr val="dk1"/>
-                </a:solidFill>
-                <a:highlight>
-                  <a:srgbClr val="FFF2CC"/>
-                </a:highlight>
-              </a:rPr>
-              <a:t>Drama’ </a:t>
-            </a:r>
-            <a:r>
-              <a:rPr i="1" lang="en" sz="1800">
-                <a:solidFill>
-                  <a:schemeClr val="dk1"/>
-                </a:solidFill>
-                <a:highlight>
-                  <a:srgbClr val="FFF2CC"/>
-                </a:highlight>
-              </a:rPr>
-              <a:t>Genre is most produced</a:t>
-            </a:r>
-            <a:endParaRPr i="1" sz="1800">
-              <a:highlight>
-                <a:srgbClr val="FFF2CC"/>
-              </a:highlight>
-            </a:endParaRPr>
-          </a:p>
-        </p:txBody>
-      </p:sp>
-      <p:pic>
-        <p:nvPicPr>
-          <p:cNvPr id="119" name="Google Shape;119;p21"/>
-          <p:cNvPicPr preferRelativeResize="0"/>
-          <p:nvPr/>
-        </p:nvPicPr>
-        <p:blipFill>
-          <a:blip r:embed="rId4">
-            <a:alphaModFix/>
-          </a:blip>
-          <a:stretch>
-            <a:fillRect/>
-          </a:stretch>
-        </p:blipFill>
-        <p:spPr>
-          <a:xfrm>
-            <a:off x="6944675" y="271975"/>
-            <a:ext cx="2085750" cy="4052325"/>
           </a:xfrm>
           <a:prstGeom prst="rect">
             <a:avLst/>
